--- a/proj2/Project2 Solution template.pptx
+++ b/proj2/Project2 Solution template.pptx
@@ -226,7 +226,7 @@
           <a:p>
             <a:fld id="{AEE5876B-056A-450D-8BE9-CC2E3982DBB6}" type="datetimeFigureOut">
               <a:rPr lang="en-US" smtClean="0"/>
-              <a:t>11/18/2020</a:t>
+              <a:t>12/12/2020</a:t>
             </a:fld>
             <a:endParaRPr lang="en-US"/>
           </a:p>
@@ -672,7 +672,7 @@
           <a:p>
             <a:fld id="{A6A0E2CC-1D0A-49B2-AA3C-3EDFD9076A74}" type="datetimeFigureOut">
               <a:rPr lang="en-US" smtClean="0"/>
-              <a:t>11/18/2020</a:t>
+              <a:t>12/12/2020</a:t>
             </a:fld>
             <a:endParaRPr lang="en-US"/>
           </a:p>
@@ -840,7 +840,7 @@
           <a:p>
             <a:fld id="{A6A0E2CC-1D0A-49B2-AA3C-3EDFD9076A74}" type="datetimeFigureOut">
               <a:rPr lang="en-US" smtClean="0"/>
-              <a:t>11/18/2020</a:t>
+              <a:t>12/12/2020</a:t>
             </a:fld>
             <a:endParaRPr lang="en-US"/>
           </a:p>
@@ -1018,7 +1018,7 @@
           <a:p>
             <a:fld id="{A6A0E2CC-1D0A-49B2-AA3C-3EDFD9076A74}" type="datetimeFigureOut">
               <a:rPr lang="en-US" smtClean="0"/>
-              <a:t>11/18/2020</a:t>
+              <a:t>12/12/2020</a:t>
             </a:fld>
             <a:endParaRPr lang="en-US"/>
           </a:p>
@@ -1186,7 +1186,7 @@
           <a:p>
             <a:fld id="{A6A0E2CC-1D0A-49B2-AA3C-3EDFD9076A74}" type="datetimeFigureOut">
               <a:rPr lang="en-US" smtClean="0"/>
-              <a:t>11/18/2020</a:t>
+              <a:t>12/12/2020</a:t>
             </a:fld>
             <a:endParaRPr lang="en-US"/>
           </a:p>
@@ -1431,7 +1431,7 @@
           <a:p>
             <a:fld id="{A6A0E2CC-1D0A-49B2-AA3C-3EDFD9076A74}" type="datetimeFigureOut">
               <a:rPr lang="en-US" smtClean="0"/>
-              <a:t>11/18/2020</a:t>
+              <a:t>12/12/2020</a:t>
             </a:fld>
             <a:endParaRPr lang="en-US"/>
           </a:p>
@@ -1716,7 +1716,7 @@
           <a:p>
             <a:fld id="{A6A0E2CC-1D0A-49B2-AA3C-3EDFD9076A74}" type="datetimeFigureOut">
               <a:rPr lang="en-US" smtClean="0"/>
-              <a:t>11/18/2020</a:t>
+              <a:t>12/12/2020</a:t>
             </a:fld>
             <a:endParaRPr lang="en-US"/>
           </a:p>
@@ -2135,7 +2135,7 @@
           <a:p>
             <a:fld id="{A6A0E2CC-1D0A-49B2-AA3C-3EDFD9076A74}" type="datetimeFigureOut">
               <a:rPr lang="en-US" smtClean="0"/>
-              <a:t>11/18/2020</a:t>
+              <a:t>12/12/2020</a:t>
             </a:fld>
             <a:endParaRPr lang="en-US"/>
           </a:p>
@@ -2252,7 +2252,7 @@
           <a:p>
             <a:fld id="{A6A0E2CC-1D0A-49B2-AA3C-3EDFD9076A74}" type="datetimeFigureOut">
               <a:rPr lang="en-US" smtClean="0"/>
-              <a:t>11/18/2020</a:t>
+              <a:t>12/12/2020</a:t>
             </a:fld>
             <a:endParaRPr lang="en-US"/>
           </a:p>
@@ -2347,7 +2347,7 @@
           <a:p>
             <a:fld id="{A6A0E2CC-1D0A-49B2-AA3C-3EDFD9076A74}" type="datetimeFigureOut">
               <a:rPr lang="en-US" smtClean="0"/>
-              <a:t>11/18/2020</a:t>
+              <a:t>12/12/2020</a:t>
             </a:fld>
             <a:endParaRPr lang="en-US"/>
           </a:p>
@@ -2622,7 +2622,7 @@
           <a:p>
             <a:fld id="{A6A0E2CC-1D0A-49B2-AA3C-3EDFD9076A74}" type="datetimeFigureOut">
               <a:rPr lang="en-US" smtClean="0"/>
-              <a:t>11/18/2020</a:t>
+              <a:t>12/12/2020</a:t>
             </a:fld>
             <a:endParaRPr lang="en-US"/>
           </a:p>
@@ -2874,7 +2874,7 @@
           <a:p>
             <a:fld id="{A6A0E2CC-1D0A-49B2-AA3C-3EDFD9076A74}" type="datetimeFigureOut">
               <a:rPr lang="en-US" smtClean="0"/>
-              <a:t>11/18/2020</a:t>
+              <a:t>12/12/2020</a:t>
             </a:fld>
             <a:endParaRPr lang="en-US"/>
           </a:p>
@@ -3085,7 +3085,7 @@
           <a:p>
             <a:fld id="{A6A0E2CC-1D0A-49B2-AA3C-3EDFD9076A74}" type="datetimeFigureOut">
               <a:rPr lang="en-US" smtClean="0"/>
-              <a:t>11/18/2020</a:t>
+              <a:t>12/12/2020</a:t>
             </a:fld>
             <a:endParaRPr lang="en-US"/>
           </a:p>
@@ -3504,7 +3504,7 @@
           <a:p>
             <a:r>
               <a:rPr lang="en-US" dirty="0"/>
-              <a:t>Your Name</a:t>
+              <a:t>SHADAB, Mohammad Afzal</a:t>
             </a:r>
           </a:p>
         </p:txBody>
@@ -4587,7 +4587,7 @@
           <p:nvPr>
             <p:extLst>
               <p:ext uri="{D42A27DB-BD31-4B8C-83A1-F6EECF244321}">
-                <p14:modId xmlns:p14="http://schemas.microsoft.com/office/powerpoint/2010/main" val="306013358"/>
+                <p14:modId xmlns:p14="http://schemas.microsoft.com/office/powerpoint/2010/main" val="1412515188"/>
               </p:ext>
             </p:extLst>
           </p:nvPr>
@@ -4964,12 +4964,15 @@
                           <a:spcPts val="0"/>
                         </a:spcAft>
                       </a:pPr>
-                      <a:endParaRPr lang="en-US" sz="1200" dirty="0">
-                        <a:effectLst/>
-                        <a:latin typeface="+mn-lt"/>
-                        <a:ea typeface="Calibri" panose="020F0502020204030204" pitchFamily="34" charset="0"/>
-                        <a:cs typeface="Times New Roman" panose="02020603050405020304" pitchFamily="18" charset="0"/>
-                      </a:endParaRPr>
+                      <a:r>
+                        <a:rPr lang="en-US" sz="1200" dirty="0">
+                          <a:effectLst/>
+                          <a:latin typeface="+mn-lt"/>
+                          <a:ea typeface="Calibri" panose="020F0502020204030204" pitchFamily="34" charset="0"/>
+                          <a:cs typeface="Times New Roman" panose="02020603050405020304" pitchFamily="18" charset="0"/>
+                        </a:rPr>
+                        <a:t>4320.94</a:t>
+                      </a:r>
                     </a:p>
                   </a:txBody>
                   <a:tcPr marL="68580" marR="68580" marT="0" marB="0"/>
@@ -5081,12 +5084,15 @@
                           <a:spcPts val="0"/>
                         </a:spcAft>
                       </a:pPr>
-                      <a:endParaRPr lang="en-US" sz="1200" dirty="0">
-                        <a:effectLst/>
-                        <a:latin typeface="+mn-lt"/>
-                        <a:ea typeface="Calibri" panose="020F0502020204030204" pitchFamily="34" charset="0"/>
-                        <a:cs typeface="Times New Roman" panose="02020603050405020304" pitchFamily="18" charset="0"/>
-                      </a:endParaRPr>
+                      <a:r>
+                        <a:rPr lang="en-US" sz="1200" dirty="0">
+                          <a:effectLst/>
+                          <a:latin typeface="+mn-lt"/>
+                          <a:ea typeface="Calibri" panose="020F0502020204030204" pitchFamily="34" charset="0"/>
+                          <a:cs typeface="Times New Roman" panose="02020603050405020304" pitchFamily="18" charset="0"/>
+                        </a:rPr>
+                        <a:t>0.20055</a:t>
+                      </a:r>
                     </a:p>
                   </a:txBody>
                   <a:tcPr marL="68580" marR="68580" marT="0" marB="0"/>
@@ -5190,7 +5196,10 @@
                     <a:lstStyle/>
                     <a:p>
                       <a:pPr algn="ctr"/>
-                      <a:endParaRPr lang="en-US" sz="1200" dirty="0"/>
+                      <a:r>
+                        <a:rPr lang="en-US" sz="1200" dirty="0"/>
+                        <a:t>1434.46</a:t>
+                      </a:r>
                     </a:p>
                   </a:txBody>
                   <a:tcPr marL="68580" marR="68580" marT="0" marB="0"/>
@@ -5277,7 +5286,10 @@
                     <a:lstStyle/>
                     <a:p>
                       <a:pPr algn="ctr"/>
-                      <a:endParaRPr lang="en-US" sz="1200" dirty="0"/>
+                      <a:r>
+                        <a:rPr lang="en-US" sz="1200" dirty="0"/>
+                        <a:t>0.20295</a:t>
+                      </a:r>
                     </a:p>
                   </a:txBody>
                   <a:tcPr marL="68580" marR="68580" marT="0" marB="0"/>
@@ -5379,7 +5391,10 @@
                     <a:lstStyle/>
                     <a:p>
                       <a:pPr algn="ctr"/>
-                      <a:endParaRPr lang="en-US" sz="1200" dirty="0"/>
+                      <a:r>
+                        <a:rPr lang="en-US" sz="1200" dirty="0"/>
+                        <a:t>454</a:t>
+                      </a:r>
                     </a:p>
                   </a:txBody>
                   <a:tcPr marL="68580" marR="68580" marT="0" marB="0"/>
@@ -5473,7 +5488,10 @@
                     <a:lstStyle/>
                     <a:p>
                       <a:pPr algn="ctr"/>
-                      <a:endParaRPr lang="en-US" sz="1200" dirty="0"/>
+                      <a:r>
+                        <a:rPr lang="en-US" sz="1200" dirty="0"/>
+                        <a:t>1034.99</a:t>
+                      </a:r>
                     </a:p>
                   </a:txBody>
                   <a:tcPr marL="68580" marR="68580" marT="0" marB="0"/>
@@ -5560,7 +5578,10 @@
                     <a:lstStyle/>
                     <a:p>
                       <a:pPr algn="ctr"/>
-                      <a:endParaRPr lang="en-US" sz="1200" dirty="0"/>
+                      <a:r>
+                        <a:rPr lang="en-US" sz="1200" dirty="0"/>
+                        <a:t>0.20320</a:t>
+                      </a:r>
                     </a:p>
                   </a:txBody>
                   <a:tcPr marL="68580" marR="68580" marT="0" marB="0"/>
@@ -5628,6 +5649,48 @@
                         </a:rPr>
                         <a:t>Q at 1000 days</a:t>
                       </a:r>
+                      <a:r>
+                        <a:rPr lang="en-US" sz="1200" b="1" kern="1200" baseline="0" dirty="0">
+                          <a:solidFill>
+                            <a:schemeClr val="dk1"/>
+                          </a:solidFill>
+                          <a:effectLst/>
+                          <a:latin typeface="+mn-lt"/>
+                          <a:ea typeface="Calibri" panose="020F0502020204030204" pitchFamily="34" charset="0"/>
+                          <a:cs typeface="Times New Roman" panose="02020603050405020304" pitchFamily="18" charset="0"/>
+                        </a:rPr>
+                        <a:t> (</a:t>
+                      </a:r>
+                      <a:r>
+                        <a:rPr lang="en-US" sz="1200" b="1" kern="1200" baseline="0" dirty="0" err="1">
+                          <a:solidFill>
+                            <a:schemeClr val="dk1"/>
+                          </a:solidFill>
+                          <a:effectLst/>
+                          <a:latin typeface="+mn-lt"/>
+                          <a:ea typeface="Calibri" panose="020F0502020204030204" pitchFamily="34" charset="0"/>
+                          <a:cs typeface="Times New Roman" panose="02020603050405020304" pitchFamily="18" charset="0"/>
+                        </a:rPr>
+                        <a:t>bbl</a:t>
+                      </a:r>
+                      <a:r>
+                        <a:rPr lang="en-US" sz="1200" b="1" kern="1200" baseline="0" dirty="0">
+                          <a:solidFill>
+                            <a:schemeClr val="dk1"/>
+                          </a:solidFill>
+                          <a:effectLst/>
+                          <a:latin typeface="+mn-lt"/>
+                          <a:ea typeface="Calibri" panose="020F0502020204030204" pitchFamily="34" charset="0"/>
+                          <a:cs typeface="Times New Roman" panose="02020603050405020304" pitchFamily="18" charset="0"/>
+                        </a:rPr>
+                        <a:t>/day)</a:t>
+                      </a:r>
+                      <a:endParaRPr lang="en-US" sz="1200" dirty="0">
+                        <a:effectLst/>
+                        <a:latin typeface="+mn-lt"/>
+                        <a:ea typeface="Calibri" panose="020F0502020204030204" pitchFamily="34" charset="0"/>
+                        <a:cs typeface="Times New Roman" panose="02020603050405020304" pitchFamily="18" charset="0"/>
+                      </a:endParaRPr>
                     </a:p>
                   </a:txBody>
                   <a:tcPr marL="68580" marR="68580" marT="0" marB="0"/>
@@ -5638,7 +5701,10 @@
                     <a:lstStyle/>
                     <a:p>
                       <a:pPr algn="ctr"/>
-                      <a:endParaRPr lang="en-US" sz="1200" dirty="0"/>
+                      <a:r>
+                        <a:rPr lang="en-US" sz="1200" dirty="0"/>
+                        <a:t>59.63</a:t>
+                      </a:r>
                     </a:p>
                   </a:txBody>
                   <a:tcPr marL="68580" marR="68580" marT="0" marB="0"/>
@@ -5846,7 +5912,10 @@
                     <a:lstStyle/>
                     <a:p>
                       <a:pPr algn="ctr"/>
-                      <a:endParaRPr lang="en-US" sz="1200" dirty="0"/>
+                      <a:r>
+                        <a:rPr lang="en-US" sz="1200" dirty="0"/>
+                        <a:t>4380.57</a:t>
+                      </a:r>
                     </a:p>
                   </a:txBody>
                   <a:tcPr marL="68580" marR="68580" marT="0" marB="0"/>
@@ -5939,7 +6008,10 @@
                     <a:lstStyle/>
                     <a:p>
                       <a:pPr algn="ctr"/>
-                      <a:endParaRPr lang="en-US" sz="1200" dirty="0"/>
+                      <a:r>
+                        <a:rPr lang="en-US" sz="1200" dirty="0"/>
+                        <a:t>0.20121</a:t>
+                      </a:r>
                     </a:p>
                   </a:txBody>
                   <a:tcPr marL="68580" marR="68580" marT="0" marB="0"/>
@@ -6031,7 +6103,10 @@
                     <a:lstStyle/>
                     <a:p>
                       <a:pPr algn="ctr"/>
-                      <a:endParaRPr lang="en-US" sz="1200" dirty="0"/>
+                      <a:r>
+                        <a:rPr lang="en-US" sz="1200" dirty="0"/>
+                        <a:t>1450.62</a:t>
+                      </a:r>
                     </a:p>
                   </a:txBody>
                   <a:tcPr marL="68580" marR="68580" marT="0" marB="0"/>
@@ -6118,7 +6193,10 @@
                     <a:lstStyle/>
                     <a:p>
                       <a:pPr algn="ctr"/>
-                      <a:endParaRPr lang="en-US" sz="1200" dirty="0"/>
+                      <a:r>
+                        <a:rPr lang="en-US" sz="1200" dirty="0"/>
+                        <a:t>0.20375</a:t>
+                      </a:r>
                     </a:p>
                   </a:txBody>
                   <a:tcPr marL="68580" marR="68580" marT="0" marB="0"/>
@@ -6220,7 +6298,10 @@
                     <a:lstStyle/>
                     <a:p>
                       <a:pPr algn="ctr"/>
-                      <a:endParaRPr lang="en-US" sz="1200" dirty="0"/>
+                      <a:r>
+                        <a:rPr lang="en-US" sz="1200" dirty="0"/>
+                        <a:t>421</a:t>
+                      </a:r>
                     </a:p>
                   </a:txBody>
                   <a:tcPr marL="68580" marR="68580" marT="0" marB="0"/>
@@ -6314,7 +6395,10 @@
                     <a:lstStyle/>
                     <a:p>
                       <a:pPr algn="ctr"/>
-                      <a:endParaRPr lang="en-US" sz="1200" dirty="0"/>
+                      <a:r>
+                        <a:rPr lang="en-US" sz="1200" dirty="0"/>
+                        <a:t>1442.31</a:t>
+                      </a:r>
                     </a:p>
                   </a:txBody>
                   <a:tcPr marL="68580" marR="68580" marT="0" marB="0"/>
@@ -6401,7 +6485,10 @@
                     <a:lstStyle/>
                     <a:p>
                       <a:pPr algn="ctr"/>
-                      <a:endParaRPr lang="en-US" sz="1200" dirty="0"/>
+                      <a:r>
+                        <a:rPr lang="en-US" sz="1200" dirty="0"/>
+                        <a:t>0.20363</a:t>
+                      </a:r>
                     </a:p>
                   </a:txBody>
                   <a:tcPr marL="68580" marR="68580" marT="0" marB="0"/>
@@ -6469,6 +6556,48 @@
                         </a:rPr>
                         <a:t>Q at 1000 days</a:t>
                       </a:r>
+                      <a:r>
+                        <a:rPr lang="en-US" sz="1200" b="1" kern="1200" baseline="0" dirty="0">
+                          <a:solidFill>
+                            <a:schemeClr val="dk1"/>
+                          </a:solidFill>
+                          <a:effectLst/>
+                          <a:latin typeface="+mn-lt"/>
+                          <a:ea typeface="Calibri" panose="020F0502020204030204" pitchFamily="34" charset="0"/>
+                          <a:cs typeface="Times New Roman" panose="02020603050405020304" pitchFamily="18" charset="0"/>
+                        </a:rPr>
+                        <a:t> (</a:t>
+                      </a:r>
+                      <a:r>
+                        <a:rPr lang="en-US" sz="1200" b="1" kern="1200" baseline="0" dirty="0" err="1">
+                          <a:solidFill>
+                            <a:schemeClr val="dk1"/>
+                          </a:solidFill>
+                          <a:effectLst/>
+                          <a:latin typeface="+mn-lt"/>
+                          <a:ea typeface="Calibri" panose="020F0502020204030204" pitchFamily="34" charset="0"/>
+                          <a:cs typeface="Times New Roman" panose="02020603050405020304" pitchFamily="18" charset="0"/>
+                        </a:rPr>
+                        <a:t>bbl</a:t>
+                      </a:r>
+                      <a:r>
+                        <a:rPr lang="en-US" sz="1200" b="1" kern="1200" baseline="0" dirty="0">
+                          <a:solidFill>
+                            <a:schemeClr val="dk1"/>
+                          </a:solidFill>
+                          <a:effectLst/>
+                          <a:latin typeface="+mn-lt"/>
+                          <a:ea typeface="Calibri" panose="020F0502020204030204" pitchFamily="34" charset="0"/>
+                          <a:cs typeface="Times New Roman" panose="02020603050405020304" pitchFamily="18" charset="0"/>
+                        </a:rPr>
+                        <a:t>/day)</a:t>
+                      </a:r>
+                      <a:endParaRPr lang="en-US" sz="1200" dirty="0">
+                        <a:effectLst/>
+                        <a:latin typeface="+mn-lt"/>
+                        <a:ea typeface="Calibri" panose="020F0502020204030204" pitchFamily="34" charset="0"/>
+                        <a:cs typeface="Times New Roman" panose="02020603050405020304" pitchFamily="18" charset="0"/>
+                      </a:endParaRPr>
                     </a:p>
                   </a:txBody>
                   <a:tcPr marL="68580" marR="68580" marT="0" marB="0"/>
@@ -6479,7 +6608,10 @@
                     <a:lstStyle/>
                     <a:p>
                       <a:pPr algn="ctr"/>
-                      <a:endParaRPr lang="en-US" sz="1200" dirty="0"/>
+                      <a:r>
+                        <a:rPr lang="en-US" sz="1200" dirty="0"/>
+                        <a:t>40.91</a:t>
+                      </a:r>
                     </a:p>
                   </a:txBody>
                   <a:tcPr marL="68580" marR="68580" marT="0" marB="0"/>
@@ -6687,7 +6819,10 @@
                     <a:lstStyle/>
                     <a:p>
                       <a:pPr algn="ctr"/>
-                      <a:endParaRPr lang="en-US" sz="1200" dirty="0"/>
+                      <a:r>
+                        <a:rPr lang="en-US" sz="1200" dirty="0"/>
+                        <a:t>4334.02, 4334.02, 4333.77</a:t>
+                      </a:r>
                     </a:p>
                   </a:txBody>
                   <a:tcPr marL="68580" marR="68580" marT="0" marB="0"/>
@@ -6780,7 +6915,10 @@
                     <a:lstStyle/>
                     <a:p>
                       <a:pPr algn="ctr"/>
-                      <a:endParaRPr lang="en-US" sz="1200" dirty="0"/>
+                      <a:r>
+                        <a:rPr lang="en-US" sz="1200" dirty="0"/>
+                        <a:t>0.20064, 0.20064, 0.20064</a:t>
+                      </a:r>
                     </a:p>
                   </a:txBody>
                   <a:tcPr marL="68580" marR="68580" marT="0" marB="0"/>
@@ -6872,6 +7010,16 @@
                     <a:lstStyle/>
                     <a:p>
                       <a:pPr algn="ctr" fontAlgn="ctr"/>
+                      <a:r>
+                        <a:rPr lang="en-US" sz="1200" b="0" i="0" u="none" strike="noStrike" dirty="0">
+                          <a:solidFill>
+                            <a:srgbClr val="000000"/>
+                          </a:solidFill>
+                          <a:effectLst/>
+                          <a:latin typeface="Calibri"/>
+                        </a:rPr>
+                        <a:t>901.13, 856.40, 932.94</a:t>
+                      </a:r>
                       <a:endParaRPr lang="hr-HR" sz="1200" b="0" i="0" u="none" strike="noStrike" dirty="0">
                         <a:solidFill>
                           <a:srgbClr val="000000"/>
@@ -6971,13 +7119,16 @@
                     <a:lstStyle/>
                     <a:p>
                       <a:pPr algn="ctr" fontAlgn="ctr"/>
-                      <a:endParaRPr lang="is-IS" sz="1200" b="0" i="0" u="none" strike="noStrike" dirty="0">
-                        <a:solidFill>
-                          <a:srgbClr val="000000"/>
-                        </a:solidFill>
-                        <a:effectLst/>
-                        <a:latin typeface="Calibri"/>
-                      </a:endParaRPr>
+                      <a:r>
+                        <a:rPr lang="is-IS" sz="1200" b="0" i="0" u="none" strike="noStrike" dirty="0">
+                          <a:solidFill>
+                            <a:srgbClr val="000000"/>
+                          </a:solidFill>
+                          <a:effectLst/>
+                          <a:latin typeface="Calibri"/>
+                        </a:rPr>
+                        <a:t>0.20324, 0.20326, 0.20309</a:t>
+                      </a:r>
                     </a:p>
                   </a:txBody>
                   <a:tcPr marL="12700" marR="12700" marT="12700" marB="0" anchor="ctr"/>
@@ -7069,6 +7220,42 @@
                         </a:rPr>
                         <a:t> days</a:t>
                       </a:r>
+                      <a:r>
+                        <a:rPr lang="en-US" sz="1200" b="1" kern="1200" baseline="0" dirty="0">
+                          <a:solidFill>
+                            <a:schemeClr val="dk1"/>
+                          </a:solidFill>
+                          <a:effectLst/>
+                          <a:latin typeface="+mn-lt"/>
+                          <a:ea typeface="Calibri" panose="020F0502020204030204" pitchFamily="34" charset="0"/>
+                          <a:cs typeface="Times New Roman" panose="02020603050405020304" pitchFamily="18" charset="0"/>
+                        </a:rPr>
+                        <a:t> (</a:t>
+                      </a:r>
+                      <a:r>
+                        <a:rPr lang="en-US" sz="1200" b="1" kern="1200" baseline="0" dirty="0" err="1">
+                          <a:solidFill>
+                            <a:schemeClr val="dk1"/>
+                          </a:solidFill>
+                          <a:effectLst/>
+                          <a:latin typeface="+mn-lt"/>
+                          <a:ea typeface="Calibri" panose="020F0502020204030204" pitchFamily="34" charset="0"/>
+                          <a:cs typeface="Times New Roman" panose="02020603050405020304" pitchFamily="18" charset="0"/>
+                        </a:rPr>
+                        <a:t>bbl</a:t>
+                      </a:r>
+                      <a:r>
+                        <a:rPr lang="en-US" sz="1200" b="1" kern="1200" baseline="0" dirty="0">
+                          <a:solidFill>
+                            <a:schemeClr val="dk1"/>
+                          </a:solidFill>
+                          <a:effectLst/>
+                          <a:latin typeface="+mn-lt"/>
+                          <a:ea typeface="Calibri" panose="020F0502020204030204" pitchFamily="34" charset="0"/>
+                          <a:cs typeface="Times New Roman" panose="02020603050405020304" pitchFamily="18" charset="0"/>
+                        </a:rPr>
+                        <a:t>/day)</a:t>
+                      </a:r>
                       <a:endParaRPr lang="en-US" sz="1200" dirty="0">
                         <a:effectLst/>
                         <a:latin typeface="+mn-lt"/>
@@ -7085,7 +7272,10 @@
                     <a:lstStyle/>
                     <a:p>
                       <a:pPr algn="ctr"/>
-                      <a:endParaRPr lang="en-US" sz="1200" dirty="0"/>
+                      <a:r>
+                        <a:rPr lang="en-US" sz="1200" dirty="0"/>
+                        <a:t>165.69</a:t>
+                      </a:r>
                     </a:p>
                   </a:txBody>
                   <a:tcPr marL="68580" marR="68580" marT="0" marB="0"/>
@@ -7163,13 +7353,16 @@
                     <a:lstStyle/>
                     <a:p>
                       <a:pPr algn="ctr" fontAlgn="ctr"/>
-                      <a:endParaRPr lang="it-IT" sz="1200" b="0" i="0" u="none" strike="noStrike" dirty="0">
-                        <a:solidFill>
-                          <a:srgbClr val="000000"/>
-                        </a:solidFill>
-                        <a:effectLst/>
-                        <a:latin typeface="Calibri"/>
-                      </a:endParaRPr>
+                      <a:r>
+                        <a:rPr lang="it-IT" sz="1200" b="0" i="0" u="none" strike="noStrike" dirty="0">
+                          <a:solidFill>
+                            <a:srgbClr val="000000"/>
+                          </a:solidFill>
+                          <a:effectLst/>
+                          <a:latin typeface="Calibri"/>
+                        </a:rPr>
+                        <a:t>889.92, 830.25, 882.29</a:t>
+                      </a:r>
                     </a:p>
                   </a:txBody>
                   <a:tcPr marL="12700" marR="12700" marT="12700" marB="0" anchor="ctr"/>
@@ -7262,13 +7455,16 @@
                     <a:lstStyle/>
                     <a:p>
                       <a:pPr algn="ctr" fontAlgn="ctr"/>
-                      <a:endParaRPr lang="is-IS" sz="1200" b="0" i="0" u="none" strike="noStrike" dirty="0">
-                        <a:solidFill>
-                          <a:srgbClr val="000000"/>
-                        </a:solidFill>
-                        <a:effectLst/>
-                        <a:latin typeface="Calibri"/>
-                      </a:endParaRPr>
+                      <a:r>
+                        <a:rPr lang="is-IS" sz="1200" b="0" i="0" u="none" strike="noStrike" dirty="0">
+                          <a:solidFill>
+                            <a:srgbClr val="000000"/>
+                          </a:solidFill>
+                          <a:effectLst/>
+                          <a:latin typeface="Calibri"/>
+                        </a:rPr>
+                        <a:t>0.20323, 0.20326, 0.20311</a:t>
+                      </a:r>
                     </a:p>
                   </a:txBody>
                   <a:tcPr marL="12700" marR="12700" marT="12700" marB="0" anchor="ctr"/>
@@ -7342,6 +7538,48 @@
                         </a:rPr>
                         <a:t>Q at 1000 days</a:t>
                       </a:r>
+                      <a:r>
+                        <a:rPr lang="en-US" sz="1200" b="1" kern="1200" baseline="0" dirty="0">
+                          <a:solidFill>
+                            <a:schemeClr val="dk1"/>
+                          </a:solidFill>
+                          <a:effectLst/>
+                          <a:latin typeface="+mn-lt"/>
+                          <a:ea typeface="Calibri" panose="020F0502020204030204" pitchFamily="34" charset="0"/>
+                          <a:cs typeface="Times New Roman" panose="02020603050405020304" pitchFamily="18" charset="0"/>
+                        </a:rPr>
+                        <a:t> (</a:t>
+                      </a:r>
+                      <a:r>
+                        <a:rPr lang="en-US" sz="1200" b="1" kern="1200" baseline="0" dirty="0" err="1">
+                          <a:solidFill>
+                            <a:schemeClr val="dk1"/>
+                          </a:solidFill>
+                          <a:effectLst/>
+                          <a:latin typeface="+mn-lt"/>
+                          <a:ea typeface="Calibri" panose="020F0502020204030204" pitchFamily="34" charset="0"/>
+                          <a:cs typeface="Times New Roman" panose="02020603050405020304" pitchFamily="18" charset="0"/>
+                        </a:rPr>
+                        <a:t>bbl</a:t>
+                      </a:r>
+                      <a:r>
+                        <a:rPr lang="en-US" sz="1200" b="1" kern="1200" baseline="0" dirty="0">
+                          <a:solidFill>
+                            <a:schemeClr val="dk1"/>
+                          </a:solidFill>
+                          <a:effectLst/>
+                          <a:latin typeface="+mn-lt"/>
+                          <a:ea typeface="Calibri" panose="020F0502020204030204" pitchFamily="34" charset="0"/>
+                          <a:cs typeface="Times New Roman" panose="02020603050405020304" pitchFamily="18" charset="0"/>
+                        </a:rPr>
+                        <a:t>/day)</a:t>
+                      </a:r>
+                      <a:endParaRPr lang="en-US" sz="1200" dirty="0">
+                        <a:effectLst/>
+                        <a:latin typeface="+mn-lt"/>
+                        <a:ea typeface="Calibri" panose="020F0502020204030204" pitchFamily="34" charset="0"/>
+                        <a:cs typeface="Times New Roman" panose="02020603050405020304" pitchFamily="18" charset="0"/>
+                      </a:endParaRPr>
                     </a:p>
                   </a:txBody>
                   <a:tcPr marL="68580" marR="68580" marT="0" marB="0"/>
@@ -7352,7 +7590,10 @@
                     <a:lstStyle/>
                     <a:p>
                       <a:pPr algn="ctr"/>
-                      <a:endParaRPr lang="en-US" sz="1200" dirty="0"/>
+                      <a:r>
+                        <a:rPr lang="en-US" sz="1200" dirty="0"/>
+                        <a:t>165.69</a:t>
+                      </a:r>
                     </a:p>
                   </a:txBody>
                   <a:tcPr marL="68580" marR="68580" marT="0" marB="0"/>
@@ -7447,7 +7688,7 @@
           <p:nvPr>
             <p:extLst>
               <p:ext uri="{D42A27DB-BD31-4B8C-83A1-F6EECF244321}">
-                <p14:modId xmlns:p14="http://schemas.microsoft.com/office/powerpoint/2010/main" val="159409098"/>
+                <p14:modId xmlns:p14="http://schemas.microsoft.com/office/powerpoint/2010/main" val="1934054819"/>
               </p:ext>
             </p:extLst>
           </p:nvPr>
@@ -7799,7 +8040,10 @@
                     <a:lstStyle/>
                     <a:p>
                       <a:pPr algn="ctr"/>
-                      <a:endParaRPr lang="en-US" sz="1200" dirty="0"/>
+                      <a:r>
+                        <a:rPr lang="en-US" sz="1200" dirty="0"/>
+                        <a:t>4381.07, 4380.57, 4380.57</a:t>
+                      </a:r>
                     </a:p>
                   </a:txBody>
                   <a:tcPr marL="68580" marR="68580" marT="0" marB="0"/>
@@ -7892,7 +8136,10 @@
                     <a:lstStyle/>
                     <a:p>
                       <a:pPr algn="ctr"/>
-                      <a:endParaRPr lang="en-US" sz="1200" dirty="0"/>
+                      <a:r>
+                        <a:rPr lang="en-US" sz="1200" dirty="0"/>
+                        <a:t>0.20123, 0.20123, 0.20123</a:t>
+                      </a:r>
                     </a:p>
                   </a:txBody>
                   <a:tcPr marL="68580" marR="68580" marT="0" marB="0"/>
@@ -7984,6 +8231,16 @@
                     <a:lstStyle/>
                     <a:p>
                       <a:pPr algn="ctr" fontAlgn="ctr"/>
+                      <a:r>
+                        <a:rPr lang="en-US" sz="1200" b="0" i="0" u="none" strike="noStrike" dirty="0">
+                          <a:solidFill>
+                            <a:srgbClr val="000000"/>
+                          </a:solidFill>
+                          <a:effectLst/>
+                          <a:latin typeface="Calibri"/>
+                        </a:rPr>
+                        <a:t>900.03, 871.68, 950.18</a:t>
+                      </a:r>
                       <a:endParaRPr lang="hr-HR" sz="1200" b="0" i="0" u="none" strike="noStrike" dirty="0">
                         <a:solidFill>
                           <a:srgbClr val="000000"/>
@@ -8083,13 +8340,16 @@
                     <a:lstStyle/>
                     <a:p>
                       <a:pPr algn="ctr" fontAlgn="ctr"/>
-                      <a:endParaRPr lang="is-IS" sz="1200" b="0" i="0" u="none" strike="noStrike" dirty="0">
-                        <a:solidFill>
-                          <a:srgbClr val="000000"/>
-                        </a:solidFill>
-                        <a:effectLst/>
-                        <a:latin typeface="Calibri"/>
-                      </a:endParaRPr>
+                      <a:r>
+                        <a:rPr lang="is-IS" sz="1200" b="0" i="0" u="none" strike="noStrike" dirty="0">
+                          <a:solidFill>
+                            <a:srgbClr val="000000"/>
+                          </a:solidFill>
+                          <a:effectLst/>
+                          <a:latin typeface="Calibri"/>
+                        </a:rPr>
+                        <a:t>0.20383, 0.20391, 0.20379</a:t>
+                      </a:r>
                     </a:p>
                   </a:txBody>
                   <a:tcPr marL="12700" marR="12700" marT="12700" marB="0" anchor="ctr"/>
@@ -8181,6 +8441,42 @@
                         </a:rPr>
                         <a:t> days</a:t>
                       </a:r>
+                      <a:r>
+                        <a:rPr lang="en-US" sz="1200" b="1" kern="1200" baseline="0" dirty="0">
+                          <a:solidFill>
+                            <a:schemeClr val="dk1"/>
+                          </a:solidFill>
+                          <a:effectLst/>
+                          <a:latin typeface="+mn-lt"/>
+                          <a:ea typeface="Calibri" panose="020F0502020204030204" pitchFamily="34" charset="0"/>
+                          <a:cs typeface="Times New Roman" panose="02020603050405020304" pitchFamily="18" charset="0"/>
+                        </a:rPr>
+                        <a:t> (</a:t>
+                      </a:r>
+                      <a:r>
+                        <a:rPr lang="en-US" sz="1200" b="1" kern="1200" baseline="0" dirty="0" err="1">
+                          <a:solidFill>
+                            <a:schemeClr val="dk1"/>
+                          </a:solidFill>
+                          <a:effectLst/>
+                          <a:latin typeface="+mn-lt"/>
+                          <a:ea typeface="Calibri" panose="020F0502020204030204" pitchFamily="34" charset="0"/>
+                          <a:cs typeface="Times New Roman" panose="02020603050405020304" pitchFamily="18" charset="0"/>
+                        </a:rPr>
+                        <a:t>bbl</a:t>
+                      </a:r>
+                      <a:r>
+                        <a:rPr lang="en-US" sz="1200" b="1" kern="1200" baseline="0" dirty="0">
+                          <a:solidFill>
+                            <a:schemeClr val="dk1"/>
+                          </a:solidFill>
+                          <a:effectLst/>
+                          <a:latin typeface="+mn-lt"/>
+                          <a:ea typeface="Calibri" panose="020F0502020204030204" pitchFamily="34" charset="0"/>
+                          <a:cs typeface="Times New Roman" panose="02020603050405020304" pitchFamily="18" charset="0"/>
+                        </a:rPr>
+                        <a:t>/day)</a:t>
+                      </a:r>
                       <a:endParaRPr lang="en-US" sz="1200" dirty="0">
                         <a:effectLst/>
                         <a:latin typeface="+mj-lt"/>
@@ -8197,7 +8493,10 @@
                     <a:lstStyle/>
                     <a:p>
                       <a:pPr algn="ctr"/>
-                      <a:endParaRPr lang="en-US" sz="1200" dirty="0"/>
+                      <a:r>
+                        <a:rPr lang="en-US" sz="1200" dirty="0"/>
+                        <a:t>212.47</a:t>
+                      </a:r>
                     </a:p>
                   </a:txBody>
                   <a:tcPr marL="68580" marR="68580" marT="0" marB="0"/>
@@ -8275,6 +8574,16 @@
                     <a:lstStyle/>
                     <a:p>
                       <a:pPr algn="ctr" fontAlgn="ctr"/>
+                      <a:r>
+                        <a:rPr lang="en-US" sz="1200" b="0" i="0" u="none" strike="noStrike" dirty="0">
+                          <a:solidFill>
+                            <a:srgbClr val="000000"/>
+                          </a:solidFill>
+                          <a:effectLst/>
+                          <a:latin typeface="Calibri"/>
+                        </a:rPr>
+                        <a:t>1294.76, 1181.70, 1262.50</a:t>
+                      </a:r>
                       <a:endParaRPr lang="hr-HR" sz="1200" b="0" i="0" u="none" strike="noStrike" dirty="0">
                         <a:solidFill>
                           <a:srgbClr val="000000"/>
@@ -8374,13 +8683,16 @@
                     <a:lstStyle/>
                     <a:p>
                       <a:pPr algn="ctr" fontAlgn="ctr"/>
-                      <a:endParaRPr lang="is-IS" sz="1200" b="0" i="0" u="none" strike="noStrike" dirty="0">
-                        <a:solidFill>
-                          <a:srgbClr val="000000"/>
-                        </a:solidFill>
-                        <a:effectLst/>
-                        <a:latin typeface="Calibri"/>
-                      </a:endParaRPr>
+                      <a:r>
+                        <a:rPr lang="is-IS" sz="1200" b="0" i="0" u="none" strike="noStrike" dirty="0">
+                          <a:solidFill>
+                            <a:srgbClr val="000000"/>
+                          </a:solidFill>
+                          <a:effectLst/>
+                          <a:latin typeface="Calibri"/>
+                        </a:rPr>
+                        <a:t>0.20341, 0.20361, 0.20348</a:t>
+                      </a:r>
                     </a:p>
                   </a:txBody>
                   <a:tcPr marL="12700" marR="12700" marT="12700" marB="0" anchor="ctr"/>
@@ -8452,8 +8764,50 @@
                           <a:ea typeface="Calibri" panose="020F0502020204030204" pitchFamily="34" charset="0"/>
                           <a:cs typeface="Times New Roman" panose="02020603050405020304" pitchFamily="18" charset="0"/>
                         </a:rPr>
-                        <a:t>Q at 1000 days</a:t>
-                      </a:r>
+                        <a:t>Q at 1000 days </a:t>
+                      </a:r>
+                      <a:r>
+                        <a:rPr lang="en-US" sz="1200" b="1" kern="1200" baseline="0" dirty="0">
+                          <a:solidFill>
+                            <a:schemeClr val="dk1"/>
+                          </a:solidFill>
+                          <a:effectLst/>
+                          <a:latin typeface="+mn-lt"/>
+                          <a:ea typeface="Calibri" panose="020F0502020204030204" pitchFamily="34" charset="0"/>
+                          <a:cs typeface="Times New Roman" panose="02020603050405020304" pitchFamily="18" charset="0"/>
+                        </a:rPr>
+                        <a:t>(</a:t>
+                      </a:r>
+                      <a:r>
+                        <a:rPr lang="en-US" sz="1200" b="1" kern="1200" baseline="0" dirty="0" err="1">
+                          <a:solidFill>
+                            <a:schemeClr val="dk1"/>
+                          </a:solidFill>
+                          <a:effectLst/>
+                          <a:latin typeface="+mn-lt"/>
+                          <a:ea typeface="Calibri" panose="020F0502020204030204" pitchFamily="34" charset="0"/>
+                          <a:cs typeface="Times New Roman" panose="02020603050405020304" pitchFamily="18" charset="0"/>
+                        </a:rPr>
+                        <a:t>bbl</a:t>
+                      </a:r>
+                      <a:r>
+                        <a:rPr lang="en-US" sz="1200" b="1" kern="1200" baseline="0" dirty="0">
+                          <a:solidFill>
+                            <a:schemeClr val="dk1"/>
+                          </a:solidFill>
+                          <a:effectLst/>
+                          <a:latin typeface="+mn-lt"/>
+                          <a:ea typeface="Calibri" panose="020F0502020204030204" pitchFamily="34" charset="0"/>
+                          <a:cs typeface="Times New Roman" panose="02020603050405020304" pitchFamily="18" charset="0"/>
+                        </a:rPr>
+                        <a:t>/day)</a:t>
+                      </a:r>
+                      <a:endParaRPr lang="en-US" sz="1200" dirty="0">
+                        <a:effectLst/>
+                        <a:latin typeface="+mj-lt"/>
+                        <a:ea typeface="Calibri" panose="020F0502020204030204" pitchFamily="34" charset="0"/>
+                        <a:cs typeface="Times New Roman" panose="02020603050405020304" pitchFamily="18" charset="0"/>
+                      </a:endParaRPr>
                     </a:p>
                   </a:txBody>
                   <a:tcPr marL="68580" marR="68580" marT="0" marB="0"/>
@@ -8464,7 +8818,10 @@
                     <a:lstStyle/>
                     <a:p>
                       <a:pPr algn="ctr"/>
-                      <a:endParaRPr lang="en-US" sz="1200" dirty="0"/>
+                      <a:r>
+                        <a:rPr lang="en-US" sz="1200" dirty="0"/>
+                        <a:t>212.83</a:t>
+                      </a:r>
                     </a:p>
                   </a:txBody>
                   <a:tcPr marL="68580" marR="68580" marT="0" marB="0"/>
@@ -8671,9 +9028,12 @@
                     <a:lstStyle/>
                     <a:p>
                       <a:pPr algn="ctr"/>
-                      <a:endParaRPr lang="en-US" sz="1200" dirty="0">
-                        <a:latin typeface="+mj-lt"/>
-                      </a:endParaRPr>
+                      <a:r>
+                        <a:rPr lang="en-US" sz="1200" dirty="0">
+                          <a:latin typeface="+mj-lt"/>
+                        </a:rPr>
+                        <a:t>4475.46</a:t>
+                      </a:r>
                     </a:p>
                   </a:txBody>
                   <a:tcPr marL="68580" marR="68580" marT="0" marB="0"/>
@@ -8768,9 +9128,12 @@
                     <a:lstStyle/>
                     <a:p>
                       <a:pPr algn="ctr"/>
-                      <a:endParaRPr lang="en-US" sz="1200" dirty="0">
-                        <a:latin typeface="+mj-lt"/>
-                      </a:endParaRPr>
+                      <a:r>
+                        <a:rPr lang="en-US" sz="1200" dirty="0">
+                          <a:latin typeface="+mj-lt"/>
+                        </a:rPr>
+                        <a:t>0.22182</a:t>
+                      </a:r>
                     </a:p>
                   </a:txBody>
                   <a:tcPr marL="68580" marR="68580" marT="0" marB="0"/>
@@ -8864,13 +9227,16 @@
                     <a:lstStyle/>
                     <a:p>
                       <a:pPr algn="ctr" fontAlgn="ctr"/>
-                      <a:endParaRPr lang="is-IS" sz="1200" b="0" i="0" u="none" strike="noStrike" dirty="0">
-                        <a:solidFill>
-                          <a:srgbClr val="000000"/>
-                        </a:solidFill>
-                        <a:effectLst/>
-                        <a:latin typeface="Calibri"/>
-                      </a:endParaRPr>
+                      <a:r>
+                        <a:rPr lang="is-IS" sz="1200" b="0" i="0" u="none" strike="noStrike" dirty="0">
+                          <a:solidFill>
+                            <a:srgbClr val="000000"/>
+                          </a:solidFill>
+                          <a:effectLst/>
+                          <a:latin typeface="Calibri"/>
+                        </a:rPr>
+                        <a:t>1894.72</a:t>
+                      </a:r>
                     </a:p>
                   </a:txBody>
                   <a:tcPr marL="12700" marR="12700" marT="12700" marB="0" anchor="ctr"/>
@@ -8963,13 +9329,16 @@
                     <a:lstStyle/>
                     <a:p>
                       <a:pPr algn="ctr" fontAlgn="ctr"/>
-                      <a:endParaRPr lang="is-IS" sz="1200" b="0" i="0" u="none" strike="noStrike" dirty="0">
-                        <a:solidFill>
-                          <a:srgbClr val="000000"/>
-                        </a:solidFill>
-                        <a:effectLst/>
-                        <a:latin typeface="Calibri"/>
-                      </a:endParaRPr>
+                      <a:r>
+                        <a:rPr lang="is-IS" sz="1200" b="0" i="0" u="none" strike="noStrike" dirty="0">
+                          <a:solidFill>
+                            <a:srgbClr val="000000"/>
+                          </a:solidFill>
+                          <a:effectLst/>
+                          <a:latin typeface="Calibri"/>
+                        </a:rPr>
+                        <a:t>0.22508</a:t>
+                      </a:r>
                     </a:p>
                   </a:txBody>
                   <a:tcPr marL="12700" marR="12700" marT="12700" marB="0" anchor="ctr"/>
@@ -9059,7 +9428,43 @@
                           <a:ea typeface="Calibri" panose="020F0502020204030204" pitchFamily="34" charset="0"/>
                           <a:cs typeface="Times New Roman" panose="02020603050405020304" pitchFamily="18" charset="0"/>
                         </a:rPr>
-                        <a:t> days</a:t>
+                        <a:t> days </a:t>
+                      </a:r>
+                      <a:r>
+                        <a:rPr lang="en-US" sz="1200" b="1" kern="1200" baseline="0" dirty="0">
+                          <a:solidFill>
+                            <a:schemeClr val="dk1"/>
+                          </a:solidFill>
+                          <a:effectLst/>
+                          <a:latin typeface="+mn-lt"/>
+                          <a:ea typeface="Calibri" panose="020F0502020204030204" pitchFamily="34" charset="0"/>
+                          <a:cs typeface="Times New Roman" panose="02020603050405020304" pitchFamily="18" charset="0"/>
+                        </a:rPr>
+                        <a:t>(</a:t>
+                      </a:r>
+                      <a:r>
+                        <a:rPr lang="en-US" sz="1200" b="1" kern="1200" baseline="0" dirty="0" err="1">
+                          <a:solidFill>
+                            <a:schemeClr val="dk1"/>
+                          </a:solidFill>
+                          <a:effectLst/>
+                          <a:latin typeface="+mn-lt"/>
+                          <a:ea typeface="Calibri" panose="020F0502020204030204" pitchFamily="34" charset="0"/>
+                          <a:cs typeface="Times New Roman" panose="02020603050405020304" pitchFamily="18" charset="0"/>
+                        </a:rPr>
+                        <a:t>bbl</a:t>
+                      </a:r>
+                      <a:r>
+                        <a:rPr lang="en-US" sz="1200" b="1" kern="1200" baseline="0" dirty="0">
+                          <a:solidFill>
+                            <a:schemeClr val="dk1"/>
+                          </a:solidFill>
+                          <a:effectLst/>
+                          <a:latin typeface="+mn-lt"/>
+                          <a:ea typeface="Calibri" panose="020F0502020204030204" pitchFamily="34" charset="0"/>
+                          <a:cs typeface="Times New Roman" panose="02020603050405020304" pitchFamily="18" charset="0"/>
+                        </a:rPr>
+                        <a:t>/day)</a:t>
                       </a:r>
                       <a:endParaRPr lang="en-US" sz="1200" dirty="0">
                         <a:effectLst/>
@@ -9077,7 +9482,10 @@
                     <a:lstStyle/>
                     <a:p>
                       <a:pPr algn="ctr"/>
-                      <a:endParaRPr lang="en-US" sz="1200" dirty="0"/>
+                      <a:r>
+                        <a:rPr lang="en-US" sz="1200" dirty="0"/>
+                        <a:t>39.75</a:t>
+                      </a:r>
                     </a:p>
                   </a:txBody>
                   <a:tcPr marL="68580" marR="68580" marT="0" marB="0"/>
@@ -9155,13 +9563,16 @@
                     <a:lstStyle/>
                     <a:p>
                       <a:pPr algn="ctr" fontAlgn="ctr"/>
-                      <a:endParaRPr lang="fi-FI" sz="1200" b="0" i="0" u="none" strike="noStrike" dirty="0">
-                        <a:solidFill>
-                          <a:srgbClr val="000000"/>
-                        </a:solidFill>
-                        <a:effectLst/>
-                        <a:latin typeface="Calibri"/>
-                      </a:endParaRPr>
+                      <a:r>
+                        <a:rPr lang="fi-FI" sz="1200" b="0" i="0" u="none" strike="noStrike" dirty="0">
+                          <a:solidFill>
+                            <a:srgbClr val="000000"/>
+                          </a:solidFill>
+                          <a:effectLst/>
+                          <a:latin typeface="Calibri"/>
+                        </a:rPr>
+                        <a:t>9265.76</a:t>
+                      </a:r>
                     </a:p>
                   </a:txBody>
                   <a:tcPr marL="12700" marR="12700" marT="12700" marB="0" anchor="ctr"/>
@@ -9254,13 +9665,16 @@
                     <a:lstStyle/>
                     <a:p>
                       <a:pPr algn="ctr" fontAlgn="ctr"/>
-                      <a:endParaRPr lang="is-IS" sz="1200" b="0" i="0" u="none" strike="noStrike" dirty="0">
-                        <a:solidFill>
-                          <a:srgbClr val="000000"/>
-                        </a:solidFill>
-                        <a:effectLst/>
-                        <a:latin typeface="Calibri"/>
-                      </a:endParaRPr>
+                      <a:r>
+                        <a:rPr lang="is-IS" sz="1200" b="0" i="0" u="none" strike="noStrike" dirty="0">
+                          <a:solidFill>
+                            <a:srgbClr val="000000"/>
+                          </a:solidFill>
+                          <a:effectLst/>
+                          <a:latin typeface="Calibri"/>
+                        </a:rPr>
+                        <a:t>0.57770</a:t>
+                      </a:r>
                     </a:p>
                   </a:txBody>
                   <a:tcPr marL="12700" marR="12700" marT="12700" marB="0" anchor="ctr"/>
@@ -9344,7 +9758,10 @@
                     <a:lstStyle/>
                     <a:p>
                       <a:pPr algn="ctr"/>
-                      <a:endParaRPr lang="en-US" sz="1200" dirty="0"/>
+                      <a:r>
+                        <a:rPr lang="en-US" sz="1200" dirty="0"/>
+                        <a:t>9265.3</a:t>
+                      </a:r>
                     </a:p>
                   </a:txBody>
                   <a:tcPr marL="68580" marR="68580" marT="0" marB="0"/>
@@ -9551,9 +9968,12 @@
                     <a:lstStyle/>
                     <a:p>
                       <a:pPr algn="ctr"/>
-                      <a:endParaRPr lang="en-US" sz="1200" dirty="0">
-                        <a:latin typeface="+mj-lt"/>
-                      </a:endParaRPr>
+                      <a:r>
+                        <a:rPr lang="en-US" sz="1200" dirty="0">
+                          <a:latin typeface="+mj-lt"/>
+                        </a:rPr>
+                        <a:t>4431.66</a:t>
+                      </a:r>
                     </a:p>
                   </a:txBody>
                   <a:tcPr marL="68580" marR="68580" marT="0" marB="0"/>
@@ -9648,9 +10068,12 @@
                     <a:lstStyle/>
                     <a:p>
                       <a:pPr algn="ctr"/>
-                      <a:endParaRPr lang="en-US" sz="1200" dirty="0">
-                        <a:latin typeface="+mj-lt"/>
-                      </a:endParaRPr>
+                      <a:r>
+                        <a:rPr lang="en-US" sz="1200" dirty="0">
+                          <a:latin typeface="+mj-lt"/>
+                        </a:rPr>
+                        <a:t>0.20352</a:t>
+                      </a:r>
                     </a:p>
                   </a:txBody>
                   <a:tcPr marL="68580" marR="68580" marT="0" marB="0"/>
@@ -9744,13 +10167,16 @@
                     <a:lstStyle/>
                     <a:p>
                       <a:pPr algn="ctr" fontAlgn="ctr"/>
-                      <a:endParaRPr lang="is-IS" sz="1200" b="0" i="0" u="none" strike="noStrike" dirty="0">
-                        <a:solidFill>
-                          <a:srgbClr val="000000"/>
-                        </a:solidFill>
-                        <a:effectLst/>
-                        <a:latin typeface="Calibri"/>
-                      </a:endParaRPr>
+                      <a:r>
+                        <a:rPr lang="is-IS" sz="1200" b="0" i="0" u="none" strike="noStrike" dirty="0">
+                          <a:solidFill>
+                            <a:srgbClr val="000000"/>
+                          </a:solidFill>
+                          <a:effectLst/>
+                          <a:latin typeface="Calibri"/>
+                        </a:rPr>
+                        <a:t>1277.00</a:t>
+                      </a:r>
                     </a:p>
                   </a:txBody>
                   <a:tcPr marL="12700" marR="12700" marT="12700" marB="0" anchor="ctr"/>
@@ -9843,13 +10269,16 @@
                     <a:lstStyle/>
                     <a:p>
                       <a:pPr algn="ctr" fontAlgn="ctr"/>
-                      <a:endParaRPr lang="is-IS" sz="1200" b="0" i="0" u="none" strike="noStrike" dirty="0">
-                        <a:solidFill>
-                          <a:srgbClr val="000000"/>
-                        </a:solidFill>
-                        <a:effectLst/>
-                        <a:latin typeface="Calibri"/>
-                      </a:endParaRPr>
+                      <a:r>
+                        <a:rPr lang="is-IS" sz="1200" b="0" i="0" u="none" strike="noStrike" dirty="0">
+                          <a:solidFill>
+                            <a:srgbClr val="000000"/>
+                          </a:solidFill>
+                          <a:effectLst/>
+                          <a:latin typeface="Calibri"/>
+                        </a:rPr>
+                        <a:t>0.20591</a:t>
+                      </a:r>
                     </a:p>
                   </a:txBody>
                   <a:tcPr marL="12700" marR="12700" marT="12700" marB="0" anchor="ctr"/>
@@ -9941,7 +10370,52 @@
                         </a:rPr>
                         <a:t> days</a:t>
                       </a:r>
-                      <a:endParaRPr lang="en-US" sz="1200" dirty="0">
+                      <a:r>
+                        <a:rPr lang="en-US" sz="1200" b="1" baseline="0" dirty="0">
+                          <a:effectLst/>
+                          <a:latin typeface="+mj-lt"/>
+                          <a:ea typeface="Calibri" panose="020F0502020204030204" pitchFamily="34" charset="0"/>
+                          <a:cs typeface="Times New Roman" panose="02020603050405020304" pitchFamily="18" charset="0"/>
+                        </a:rPr>
+                        <a:t> </a:t>
+                      </a:r>
+                      <a:r>
+                        <a:rPr lang="en-US" sz="1200" b="1" kern="1200" baseline="0" dirty="0">
+                          <a:solidFill>
+                            <a:schemeClr val="dk1"/>
+                          </a:solidFill>
+                          <a:effectLst/>
+                          <a:latin typeface="+mn-lt"/>
+                          <a:ea typeface="Calibri" panose="020F0502020204030204" pitchFamily="34" charset="0"/>
+                          <a:cs typeface="Times New Roman" panose="02020603050405020304" pitchFamily="18" charset="0"/>
+                        </a:rPr>
+                        <a:t>(</a:t>
+                      </a:r>
+                      <a:r>
+                        <a:rPr lang="en-US" sz="1200" b="1" kern="1200" baseline="0" dirty="0" err="1">
+                          <a:solidFill>
+                            <a:schemeClr val="dk1"/>
+                          </a:solidFill>
+                          <a:effectLst/>
+                          <a:latin typeface="+mn-lt"/>
+                          <a:ea typeface="Calibri" panose="020F0502020204030204" pitchFamily="34" charset="0"/>
+                          <a:cs typeface="Times New Roman" panose="02020603050405020304" pitchFamily="18" charset="0"/>
+                        </a:rPr>
+                        <a:t>bbl</a:t>
+                      </a:r>
+                      <a:r>
+                        <a:rPr lang="en-US" sz="1200" b="1" kern="1200" baseline="0" dirty="0">
+                          <a:solidFill>
+                            <a:schemeClr val="dk1"/>
+                          </a:solidFill>
+                          <a:effectLst/>
+                          <a:latin typeface="+mn-lt"/>
+                          <a:ea typeface="Calibri" panose="020F0502020204030204" pitchFamily="34" charset="0"/>
+                          <a:cs typeface="Times New Roman" panose="02020603050405020304" pitchFamily="18" charset="0"/>
+                        </a:rPr>
+                        <a:t>/day)</a:t>
+                      </a:r>
+                      <a:endParaRPr lang="en-US" sz="1200" b="1" dirty="0">
                         <a:effectLst/>
                         <a:latin typeface="+mj-lt"/>
                         <a:ea typeface="Calibri" panose="020F0502020204030204" pitchFamily="34" charset="0"/>
@@ -9957,7 +10431,10 @@
                     <a:lstStyle/>
                     <a:p>
                       <a:pPr algn="ctr"/>
-                      <a:endParaRPr lang="en-US" sz="1200" dirty="0"/>
+                      <a:r>
+                        <a:rPr lang="en-US" sz="1200" dirty="0"/>
+                        <a:t>38.08</a:t>
+                      </a:r>
                     </a:p>
                   </a:txBody>
                   <a:tcPr marL="68580" marR="68580" marT="0" marB="0"/>
@@ -10035,13 +10512,16 @@
                     <a:lstStyle/>
                     <a:p>
                       <a:pPr algn="ctr" fontAlgn="ctr"/>
-                      <a:endParaRPr lang="nb-NO" sz="1200" b="0" i="0" u="none" strike="noStrike" dirty="0">
-                        <a:solidFill>
-                          <a:srgbClr val="000000"/>
-                        </a:solidFill>
-                        <a:effectLst/>
-                        <a:latin typeface="Calibri"/>
-                      </a:endParaRPr>
+                      <a:r>
+                        <a:rPr lang="nb-NO" sz="1200" b="0" i="0" u="none" strike="noStrike" dirty="0">
+                          <a:solidFill>
+                            <a:srgbClr val="000000"/>
+                          </a:solidFill>
+                          <a:effectLst/>
+                          <a:latin typeface="Calibri"/>
+                        </a:rPr>
+                        <a:t>8590.08</a:t>
+                      </a:r>
                     </a:p>
                   </a:txBody>
                   <a:tcPr marL="12700" marR="12700" marT="12700" marB="0" anchor="ctr"/>
@@ -10134,6 +10614,16 @@
                     <a:lstStyle/>
                     <a:p>
                       <a:pPr algn="ctr" fontAlgn="ctr"/>
+                      <a:r>
+                        <a:rPr lang="en-US" sz="1200" b="0" i="0" u="none" strike="noStrike" dirty="0">
+                          <a:solidFill>
+                            <a:srgbClr val="000000"/>
+                          </a:solidFill>
+                          <a:effectLst/>
+                          <a:latin typeface="Calibri"/>
+                        </a:rPr>
+                        <a:t>0.58660</a:t>
+                      </a:r>
                       <a:endParaRPr lang="cs-CZ" sz="1200" b="0" i="0" u="none" strike="noStrike" dirty="0">
                         <a:solidFill>
                           <a:srgbClr val="000000"/>
@@ -10224,7 +10714,10 @@
                     <a:lstStyle/>
                     <a:p>
                       <a:pPr algn="ctr"/>
-                      <a:endParaRPr lang="en-US" sz="1200" dirty="0"/>
+                      <a:r>
+                        <a:rPr lang="en-US" sz="1200" dirty="0"/>
+                        <a:t>8590.05</a:t>
+                      </a:r>
                     </a:p>
                   </a:txBody>
                   <a:tcPr marL="68580" marR="68580" marT="0" marB="0"/>
@@ -10322,52 +10815,106 @@
           </a:p>
         </p:txBody>
       </p:sp>
-      <p:sp>
-        <p:nvSpPr>
-          <p:cNvPr id="4" name="Content Placeholder 3">
+      <p:pic>
+        <p:nvPicPr>
+          <p:cNvPr id="6" name="Content Placeholder 5">
             <a:extLst>
               <a:ext uri="{FF2B5EF4-FFF2-40B4-BE49-F238E27FC236}">
-                <a16:creationId xmlns:a16="http://schemas.microsoft.com/office/drawing/2014/main" id="{556B8135-2236-4970-B2AD-9A08E38E1C98}"/>
+                <a16:creationId xmlns:a16="http://schemas.microsoft.com/office/drawing/2014/main" id="{F2E8AEE1-2B62-49EA-BACE-4D7C7821FB6F}"/>
               </a:ext>
             </a:extLst>
           </p:cNvPr>
-          <p:cNvSpPr>
-            <a:spLocks noGrp="1"/>
-          </p:cNvSpPr>
+          <p:cNvPicPr>
+            <a:picLocks noGrp="1" noChangeAspect="1"/>
+          </p:cNvPicPr>
           <p:nvPr>
             <p:ph sz="half" idx="1"/>
           </p:nvPr>
-        </p:nvSpPr>
-        <p:spPr/>
-        <p:txBody>
-          <a:bodyPr/>
-          <a:lstStyle/>
-          <a:p>
-            <a:endParaRPr lang="en-US"/>
-          </a:p>
-        </p:txBody>
-      </p:sp>
-      <p:sp>
-        <p:nvSpPr>
-          <p:cNvPr id="5" name="Content Placeholder 4">
+        </p:nvPicPr>
+        <p:blipFill rotWithShape="1">
+          <a:blip r:embed="rId2">
+            <a:extLst>
+              <a:ext uri="{28A0092B-C50C-407E-A947-70E740481C1C}">
+                <a14:useLocalDpi xmlns:a14="http://schemas.microsoft.com/office/drawing/2010/main" val="0"/>
+              </a:ext>
+            </a:extLst>
+          </a:blip>
+          <a:srcRect t="13498" r="15385" b="9579"/>
+          <a:stretch/>
+        </p:blipFill>
+        <p:spPr>
+          <a:xfrm>
+            <a:off x="-1155" y="1143000"/>
+            <a:ext cx="8493760" cy="4343400"/>
+          </a:xfrm>
+        </p:spPr>
+      </p:pic>
+      <p:pic>
+        <p:nvPicPr>
+          <p:cNvPr id="8" name="Content Placeholder 7">
             <a:extLst>
               <a:ext uri="{FF2B5EF4-FFF2-40B4-BE49-F238E27FC236}">
-                <a16:creationId xmlns:a16="http://schemas.microsoft.com/office/drawing/2014/main" id="{0030F629-DD61-4F9D-9922-29EF564A3372}"/>
+                <a16:creationId xmlns:a16="http://schemas.microsoft.com/office/drawing/2014/main" id="{A7F350B7-4353-4E85-AD66-B39DE553EB03}"/>
               </a:ext>
             </a:extLst>
           </p:cNvPr>
-          <p:cNvSpPr>
-            <a:spLocks noGrp="1"/>
-          </p:cNvSpPr>
+          <p:cNvPicPr>
+            <a:picLocks noGrp="1" noChangeAspect="1"/>
+          </p:cNvPicPr>
           <p:nvPr>
             <p:ph sz="half" idx="2"/>
           </p:nvPr>
+        </p:nvPicPr>
+        <p:blipFill rotWithShape="1">
+          <a:blip r:embed="rId3">
+            <a:extLst>
+              <a:ext uri="{28A0092B-C50C-407E-A947-70E740481C1C}">
+                <a14:useLocalDpi xmlns:a14="http://schemas.microsoft.com/office/drawing/2010/main" val="0"/>
+              </a:ext>
+            </a:extLst>
+          </a:blip>
+          <a:srcRect t="68376" r="19959" b="10427"/>
+          <a:stretch/>
+        </p:blipFill>
+        <p:spPr>
+          <a:xfrm>
+            <a:off x="-1155" y="5486400"/>
+            <a:ext cx="8493759" cy="1265238"/>
+          </a:xfrm>
+        </p:spPr>
+      </p:pic>
+      <p:sp>
+        <p:nvSpPr>
+          <p:cNvPr id="9" name="TextBox 8">
+            <a:extLst>
+              <a:ext uri="{FF2B5EF4-FFF2-40B4-BE49-F238E27FC236}">
+                <a16:creationId xmlns:a16="http://schemas.microsoft.com/office/drawing/2014/main" id="{B9FEF344-9E8F-45F7-8E65-1C7C88FD43A2}"/>
+              </a:ext>
+            </a:extLst>
+          </p:cNvPr>
+          <p:cNvSpPr txBox="1"/>
+          <p:nvPr/>
         </p:nvSpPr>
-        <p:spPr/>
+        <p:spPr>
+          <a:xfrm>
+            <a:off x="8492604" y="2968387"/>
+            <a:ext cx="2362200" cy="369332"/>
+          </a:xfrm>
+          <a:prstGeom prst="rect">
+            <a:avLst/>
+          </a:prstGeom>
+          <a:noFill/>
+        </p:spPr>
         <p:txBody>
-          <a:bodyPr/>
+          <a:bodyPr wrap="square" rtlCol="0">
+            <a:spAutoFit/>
+          </a:bodyPr>
           <a:lstStyle/>
           <a:p>
+            <a:r>
+              <a:rPr lang="en-US" dirty="0" err="1"/>
+              <a:t>Thalf</a:t>
+            </a:r>
             <a:endParaRPr lang="en-US" dirty="0"/>
           </a:p>
         </p:txBody>
@@ -10444,56 +10991,250 @@
           </a:p>
         </p:txBody>
       </p:sp>
-      <p:sp>
-        <p:nvSpPr>
-          <p:cNvPr id="4" name="Content Placeholder 3">
+      <p:pic>
+        <p:nvPicPr>
+          <p:cNvPr id="6" name="Content Placeholder 5" descr="A screenshot of a computer&#10;&#10;Description automatically generated">
             <a:extLst>
               <a:ext uri="{FF2B5EF4-FFF2-40B4-BE49-F238E27FC236}">
-                <a16:creationId xmlns:a16="http://schemas.microsoft.com/office/drawing/2014/main" id="{556B8135-2236-4970-B2AD-9A08E38E1C98}"/>
+                <a16:creationId xmlns:a16="http://schemas.microsoft.com/office/drawing/2014/main" id="{8EB2ED2F-5249-41E9-B826-68797ECFCF90}"/>
               </a:ext>
             </a:extLst>
           </p:cNvPr>
-          <p:cNvSpPr>
-            <a:spLocks noGrp="1"/>
-          </p:cNvSpPr>
+          <p:cNvPicPr>
+            <a:picLocks noGrp="1" noChangeAspect="1"/>
+          </p:cNvPicPr>
           <p:nvPr>
             <p:ph sz="half" idx="1"/>
           </p:nvPr>
+        </p:nvPicPr>
+        <p:blipFill rotWithShape="1">
+          <a:blip r:embed="rId2">
+            <a:extLst>
+              <a:ext uri="{28A0092B-C50C-407E-A947-70E740481C1C}">
+                <a14:useLocalDpi xmlns:a14="http://schemas.microsoft.com/office/drawing/2010/main" val="0"/>
+              </a:ext>
+            </a:extLst>
+          </a:blip>
+          <a:srcRect t="24179" r="15833" b="52341"/>
+          <a:stretch/>
+        </p:blipFill>
+        <p:spPr>
+          <a:xfrm>
+            <a:off x="0" y="1013619"/>
+            <a:ext cx="7696200" cy="1207700"/>
+          </a:xfrm>
+        </p:spPr>
+      </p:pic>
+      <p:pic>
+        <p:nvPicPr>
+          <p:cNvPr id="8" name="Content Placeholder 7" descr="A screenshot of a computer&#10;&#10;Description automatically generated">
+            <a:extLst>
+              <a:ext uri="{FF2B5EF4-FFF2-40B4-BE49-F238E27FC236}">
+                <a16:creationId xmlns:a16="http://schemas.microsoft.com/office/drawing/2014/main" id="{8CEAB390-C1B9-4ECE-BEF8-412D2D82B2FD}"/>
+              </a:ext>
+            </a:extLst>
+          </p:cNvPr>
+          <p:cNvPicPr>
+            <a:picLocks noGrp="1" noChangeAspect="1"/>
+          </p:cNvPicPr>
+          <p:nvPr>
+            <p:ph sz="half" idx="2"/>
+          </p:nvPr>
+        </p:nvPicPr>
+        <p:blipFill rotWithShape="1">
+          <a:blip r:embed="rId3">
+            <a:extLst>
+              <a:ext uri="{28A0092B-C50C-407E-A947-70E740481C1C}">
+                <a14:useLocalDpi xmlns:a14="http://schemas.microsoft.com/office/drawing/2010/main" val="0"/>
+              </a:ext>
+            </a:extLst>
+          </a:blip>
+          <a:srcRect t="46960" r="15750" b="36268"/>
+          <a:stretch/>
+        </p:blipFill>
+        <p:spPr>
+          <a:xfrm>
+            <a:off x="-7620" y="2413958"/>
+            <a:ext cx="7703820" cy="862642"/>
+          </a:xfrm>
+        </p:spPr>
+      </p:pic>
+      <p:sp>
+        <p:nvSpPr>
+          <p:cNvPr id="11" name="TextBox 10">
+            <a:extLst>
+              <a:ext uri="{FF2B5EF4-FFF2-40B4-BE49-F238E27FC236}">
+                <a16:creationId xmlns:a16="http://schemas.microsoft.com/office/drawing/2014/main" id="{F6781A16-ADBA-470C-A068-98BAF7F7E970}"/>
+              </a:ext>
+            </a:extLst>
+          </p:cNvPr>
+          <p:cNvSpPr txBox="1"/>
+          <p:nvPr/>
         </p:nvSpPr>
-        <p:spPr/>
+        <p:spPr>
+          <a:xfrm>
+            <a:off x="7772400" y="1324600"/>
+            <a:ext cx="1303242" cy="646331"/>
+          </a:xfrm>
+          <a:prstGeom prst="rect">
+            <a:avLst/>
+          </a:prstGeom>
+          <a:noFill/>
+        </p:spPr>
         <p:txBody>
-          <a:bodyPr/>
+          <a:bodyPr wrap="none" rtlCol="0">
+            <a:spAutoFit/>
+          </a:bodyPr>
           <a:lstStyle/>
           <a:p>
-            <a:endParaRPr lang="en-US"/>
+            <a:r>
+              <a:rPr lang="en-US" dirty="0"/>
+              <a:t>Gravity</a:t>
+            </a:r>
+          </a:p>
+          <a:p>
+            <a:r>
+              <a:rPr lang="en-US" dirty="0"/>
+              <a:t>(main code)</a:t>
+            </a:r>
           </a:p>
         </p:txBody>
       </p:sp>
       <p:sp>
         <p:nvSpPr>
-          <p:cNvPr id="5" name="Content Placeholder 4">
+          <p:cNvPr id="12" name="TextBox 11">
             <a:extLst>
               <a:ext uri="{FF2B5EF4-FFF2-40B4-BE49-F238E27FC236}">
-                <a16:creationId xmlns:a16="http://schemas.microsoft.com/office/drawing/2014/main" id="{0030F629-DD61-4F9D-9922-29EF564A3372}"/>
+                <a16:creationId xmlns:a16="http://schemas.microsoft.com/office/drawing/2014/main" id="{D4767A0E-2050-479E-9CEA-C3C22635F532}"/>
               </a:ext>
             </a:extLst>
           </p:cNvPr>
-          <p:cNvSpPr>
-            <a:spLocks noGrp="1"/>
-          </p:cNvSpPr>
-          <p:nvPr>
-            <p:ph sz="half" idx="2"/>
-          </p:nvPr>
+          <p:cNvSpPr txBox="1"/>
+          <p:nvPr/>
         </p:nvSpPr>
-        <p:spPr/>
+        <p:spPr>
+          <a:xfrm>
+            <a:off x="7772400" y="2255679"/>
+            <a:ext cx="1303242" cy="646331"/>
+          </a:xfrm>
+          <a:prstGeom prst="rect">
+            <a:avLst/>
+          </a:prstGeom>
+          <a:noFill/>
+        </p:spPr>
         <p:txBody>
-          <a:bodyPr/>
+          <a:bodyPr wrap="none" rtlCol="0">
+            <a:spAutoFit/>
+          </a:bodyPr>
           <a:lstStyle/>
           <a:p>
+            <a:r>
+              <a:rPr lang="en-US" dirty="0" err="1"/>
+              <a:t>Sw_hyst</a:t>
+            </a:r>
             <a:endParaRPr lang="en-US" dirty="0"/>
+          </a:p>
+          <a:p>
+            <a:r>
+              <a:rPr lang="en-US" dirty="0"/>
+              <a:t>(main code)</a:t>
+            </a:r>
           </a:p>
         </p:txBody>
       </p:sp>
+      <p:sp>
+        <p:nvSpPr>
+          <p:cNvPr id="13" name="TextBox 12">
+            <a:extLst>
+              <a:ext uri="{FF2B5EF4-FFF2-40B4-BE49-F238E27FC236}">
+                <a16:creationId xmlns:a16="http://schemas.microsoft.com/office/drawing/2014/main" id="{426E55A8-F316-4B61-93CC-144C9E7727C5}"/>
+              </a:ext>
+            </a:extLst>
+          </p:cNvPr>
+          <p:cNvSpPr txBox="1"/>
+          <p:nvPr/>
+        </p:nvSpPr>
+        <p:spPr>
+          <a:xfrm>
+            <a:off x="7827607" y="4191000"/>
+            <a:ext cx="1192827" cy="1200329"/>
+          </a:xfrm>
+          <a:prstGeom prst="rect">
+            <a:avLst/>
+          </a:prstGeom>
+          <a:noFill/>
+        </p:spPr>
+        <p:txBody>
+          <a:bodyPr wrap="none" rtlCol="0">
+            <a:spAutoFit/>
+          </a:bodyPr>
+          <a:lstStyle/>
+          <a:p>
+            <a:r>
+              <a:rPr lang="en-US" dirty="0"/>
+              <a:t>Capillary </a:t>
+            </a:r>
+          </a:p>
+          <a:p>
+            <a:r>
+              <a:rPr lang="en-US" dirty="0"/>
+              <a:t>pressure</a:t>
+            </a:r>
+          </a:p>
+          <a:p>
+            <a:r>
+              <a:rPr lang="en-US" dirty="0"/>
+              <a:t>(</a:t>
+            </a:r>
+            <a:r>
+              <a:rPr lang="en-US" dirty="0" err="1"/>
+              <a:t>cap_press</a:t>
+            </a:r>
+            <a:endParaRPr lang="en-US" dirty="0"/>
+          </a:p>
+          <a:p>
+            <a:r>
+              <a:rPr lang="en-US" dirty="0"/>
+              <a:t>function)</a:t>
+            </a:r>
+          </a:p>
+        </p:txBody>
+      </p:sp>
+      <p:pic>
+        <p:nvPicPr>
+          <p:cNvPr id="14" name="Picture 13" descr="A screenshot of a computer screen&#10;&#10;Description automatically generated">
+            <a:extLst>
+              <a:ext uri="{FF2B5EF4-FFF2-40B4-BE49-F238E27FC236}">
+                <a16:creationId xmlns:a16="http://schemas.microsoft.com/office/drawing/2014/main" id="{3CE9CE73-FAFC-4062-B9B1-72024886C8BE}"/>
+              </a:ext>
+            </a:extLst>
+          </p:cNvPr>
+          <p:cNvPicPr>
+            <a:picLocks noChangeAspect="1"/>
+          </p:cNvPicPr>
+          <p:nvPr/>
+        </p:nvPicPr>
+        <p:blipFill rotWithShape="1">
+          <a:blip r:embed="rId4">
+            <a:extLst>
+              <a:ext uri="{28A0092B-C50C-407E-A947-70E740481C1C}">
+                <a14:useLocalDpi xmlns:a14="http://schemas.microsoft.com/office/drawing/2010/main" val="0"/>
+              </a:ext>
+            </a:extLst>
+          </a:blip>
+          <a:srcRect l="-6667" t="27656" r="23658" b="11771"/>
+          <a:stretch/>
+        </p:blipFill>
+        <p:spPr>
+          <a:xfrm>
+            <a:off x="-685799" y="3417425"/>
+            <a:ext cx="8382000" cy="3440575"/>
+          </a:xfrm>
+          <a:prstGeom prst="rect">
+            <a:avLst/>
+          </a:prstGeom>
+        </p:spPr>
+      </p:pic>
     </p:spTree>
     <p:extLst>
       <p:ext uri="{BB962C8B-B14F-4D97-AF65-F5344CB8AC3E}">
@@ -10566,53 +11307,315 @@
           </a:p>
         </p:txBody>
       </p:sp>
-      <p:sp>
-        <p:nvSpPr>
-          <p:cNvPr id="4" name="Content Placeholder 3">
+      <p:pic>
+        <p:nvPicPr>
+          <p:cNvPr id="10" name="Content Placeholder 9">
             <a:extLst>
               <a:ext uri="{FF2B5EF4-FFF2-40B4-BE49-F238E27FC236}">
-                <a16:creationId xmlns:a16="http://schemas.microsoft.com/office/drawing/2014/main" id="{556B8135-2236-4970-B2AD-9A08E38E1C98}"/>
+                <a16:creationId xmlns:a16="http://schemas.microsoft.com/office/drawing/2014/main" id="{6EE7D236-30D1-4CE5-8E19-1F987D536A94}"/>
               </a:ext>
             </a:extLst>
           </p:cNvPr>
-          <p:cNvSpPr>
-            <a:spLocks noGrp="1"/>
-          </p:cNvSpPr>
+          <p:cNvPicPr>
+            <a:picLocks noGrp="1" noChangeAspect="1"/>
+          </p:cNvPicPr>
           <p:nvPr>
             <p:ph sz="half" idx="1"/>
           </p:nvPr>
+        </p:nvPicPr>
+        <p:blipFill rotWithShape="1">
+          <a:blip r:embed="rId2">
+            <a:extLst>
+              <a:ext uri="{28A0092B-C50C-407E-A947-70E740481C1C}">
+                <a14:useLocalDpi xmlns:a14="http://schemas.microsoft.com/office/drawing/2010/main" val="0"/>
+              </a:ext>
+            </a:extLst>
+          </a:blip>
+          <a:srcRect l="-1" t="42856" r="39099" b="29996"/>
+          <a:stretch/>
+        </p:blipFill>
+        <p:spPr>
+          <a:xfrm>
+            <a:off x="17362" y="1371599"/>
+            <a:ext cx="6764438" cy="1696195"/>
+          </a:xfrm>
+        </p:spPr>
+      </p:pic>
+      <p:sp>
+        <p:nvSpPr>
+          <p:cNvPr id="18" name="TextBox 17">
+            <a:extLst>
+              <a:ext uri="{FF2B5EF4-FFF2-40B4-BE49-F238E27FC236}">
+                <a16:creationId xmlns:a16="http://schemas.microsoft.com/office/drawing/2014/main" id="{EAE6C562-AAD4-4FA4-B3A0-46D42DB56A56}"/>
+              </a:ext>
+            </a:extLst>
+          </p:cNvPr>
+          <p:cNvSpPr txBox="1"/>
+          <p:nvPr/>
         </p:nvSpPr>
-        <p:spPr/>
+        <p:spPr>
+          <a:xfrm>
+            <a:off x="6810137" y="1892495"/>
+            <a:ext cx="4267200" cy="646331"/>
+          </a:xfrm>
+          <a:prstGeom prst="rect">
+            <a:avLst/>
+          </a:prstGeom>
+          <a:noFill/>
+        </p:spPr>
         <p:txBody>
-          <a:bodyPr/>
+          <a:bodyPr wrap="square">
+            <a:spAutoFit/>
+          </a:bodyPr>
           <a:lstStyle/>
           <a:p>
+            <a:r>
+              <a:rPr lang="en-US" dirty="0"/>
+              <a:t>W</a:t>
+            </a:r>
+            <a:r>
+              <a:rPr lang="en-US" sz="1800" dirty="0"/>
+              <a:t>ater &amp; oil rates</a:t>
+            </a:r>
+            <a:r>
+              <a:rPr lang="en-US" dirty="0"/>
+              <a:t> </a:t>
+            </a:r>
+          </a:p>
+          <a:p>
+            <a:r>
+              <a:rPr lang="en-US" sz="1800" dirty="0"/>
+              <a:t>(</a:t>
+            </a:r>
+            <a:r>
+              <a:rPr lang="en-US" sz="1800" dirty="0" err="1"/>
+              <a:t>updatewell</a:t>
+            </a:r>
+            <a:r>
+              <a:rPr lang="en-US" sz="1800" dirty="0"/>
+              <a:t> function) </a:t>
+            </a:r>
+            <a:endParaRPr lang="en-US" dirty="0"/>
+          </a:p>
+        </p:txBody>
+      </p:sp>
+      <p:sp>
+        <p:nvSpPr>
+          <p:cNvPr id="20" name="TextBox 19">
+            <a:extLst>
+              <a:ext uri="{FF2B5EF4-FFF2-40B4-BE49-F238E27FC236}">
+                <a16:creationId xmlns:a16="http://schemas.microsoft.com/office/drawing/2014/main" id="{BBD36A7C-0C3F-4B07-9B9E-D3B15D4F3DD6}"/>
+              </a:ext>
+            </a:extLst>
+          </p:cNvPr>
+          <p:cNvSpPr txBox="1"/>
+          <p:nvPr/>
+        </p:nvSpPr>
+        <p:spPr>
+          <a:xfrm>
+            <a:off x="1524000" y="6260196"/>
+            <a:ext cx="6324600" cy="646331"/>
+          </a:xfrm>
+          <a:prstGeom prst="rect">
+            <a:avLst/>
+          </a:prstGeom>
+          <a:noFill/>
+        </p:spPr>
+        <p:txBody>
+          <a:bodyPr wrap="square">
+            <a:spAutoFit/>
+          </a:bodyPr>
+          <a:lstStyle/>
+          <a:p>
+            <a:r>
+              <a:rPr lang="en-US" dirty="0"/>
+              <a:t>Water cut update  &amp; BHP evaluation for constant rate injectors </a:t>
+            </a:r>
+          </a:p>
+          <a:p>
+            <a:r>
+              <a:rPr lang="en-US" dirty="0"/>
+              <a:t>(postprocess function)</a:t>
+            </a:r>
+          </a:p>
+        </p:txBody>
+      </p:sp>
+      <p:pic>
+        <p:nvPicPr>
+          <p:cNvPr id="6" name="Picture 5">
+            <a:extLst>
+              <a:ext uri="{FF2B5EF4-FFF2-40B4-BE49-F238E27FC236}">
+                <a16:creationId xmlns:a16="http://schemas.microsoft.com/office/drawing/2014/main" id="{59F31416-30B3-441C-A439-365DCCD2630F}"/>
+              </a:ext>
+            </a:extLst>
+          </p:cNvPr>
+          <p:cNvPicPr>
+            <a:picLocks noChangeAspect="1"/>
+          </p:cNvPicPr>
+          <p:nvPr/>
+        </p:nvPicPr>
+        <p:blipFill rotWithShape="1">
+          <a:blip r:embed="rId3">
+            <a:extLst>
+              <a:ext uri="{28A0092B-C50C-407E-A947-70E740481C1C}">
+                <a14:useLocalDpi xmlns:a14="http://schemas.microsoft.com/office/drawing/2010/main" val="0"/>
+              </a:ext>
+            </a:extLst>
+          </a:blip>
+          <a:srcRect t="35185" r="21962" b="41111"/>
+          <a:stretch/>
+        </p:blipFill>
+        <p:spPr>
+          <a:xfrm>
+            <a:off x="-15433" y="4724426"/>
+            <a:ext cx="8473633" cy="1447774"/>
+          </a:xfrm>
+          <a:prstGeom prst="rect">
+            <a:avLst/>
+          </a:prstGeom>
+        </p:spPr>
+      </p:pic>
+      <p:pic>
+        <p:nvPicPr>
+          <p:cNvPr id="8" name="Picture 7">
+            <a:extLst>
+              <a:ext uri="{FF2B5EF4-FFF2-40B4-BE49-F238E27FC236}">
+                <a16:creationId xmlns:a16="http://schemas.microsoft.com/office/drawing/2014/main" id="{B3965D71-575B-43D3-8A97-23D684DCA348}"/>
+              </a:ext>
+            </a:extLst>
+          </p:cNvPr>
+          <p:cNvPicPr>
+            <a:picLocks noChangeAspect="1"/>
+          </p:cNvPicPr>
+          <p:nvPr/>
+        </p:nvPicPr>
+        <p:blipFill rotWithShape="1">
+          <a:blip r:embed="rId4">
+            <a:extLst>
+              <a:ext uri="{28A0092B-C50C-407E-A947-70E740481C1C}">
+                <a14:useLocalDpi xmlns:a14="http://schemas.microsoft.com/office/drawing/2010/main" val="0"/>
+              </a:ext>
+            </a:extLst>
+          </a:blip>
+          <a:srcRect t="61470" r="20563" b="14530"/>
+          <a:stretch/>
+        </p:blipFill>
+        <p:spPr>
+          <a:xfrm>
+            <a:off x="-24715" y="3245950"/>
+            <a:ext cx="8182033" cy="1390480"/>
+          </a:xfrm>
+          <a:prstGeom prst="rect">
+            <a:avLst/>
+          </a:prstGeom>
+        </p:spPr>
+      </p:pic>
+      <p:sp>
+        <p:nvSpPr>
+          <p:cNvPr id="9" name="Rectangle 8">
+            <a:extLst>
+              <a:ext uri="{FF2B5EF4-FFF2-40B4-BE49-F238E27FC236}">
+                <a16:creationId xmlns:a16="http://schemas.microsoft.com/office/drawing/2014/main" id="{3C702A8B-11A6-4633-B8F7-758804782FB9}"/>
+              </a:ext>
+            </a:extLst>
+          </p:cNvPr>
+          <p:cNvSpPr/>
+          <p:nvPr/>
+        </p:nvSpPr>
+        <p:spPr>
+          <a:xfrm>
+            <a:off x="6781800" y="3631626"/>
+            <a:ext cx="1676400" cy="1004804"/>
+          </a:xfrm>
+          <a:prstGeom prst="rect">
+            <a:avLst/>
+          </a:prstGeom>
+          <a:solidFill>
+            <a:schemeClr val="bg1"/>
+          </a:solidFill>
+          <a:ln>
+            <a:solidFill>
+              <a:schemeClr val="bg1"/>
+            </a:solidFill>
+          </a:ln>
+        </p:spPr>
+        <p:style>
+          <a:lnRef idx="2">
+            <a:schemeClr val="accent1">
+              <a:shade val="50000"/>
+            </a:schemeClr>
+          </a:lnRef>
+          <a:fillRef idx="1">
+            <a:schemeClr val="accent1"/>
+          </a:fillRef>
+          <a:effectRef idx="0">
+            <a:schemeClr val="accent1"/>
+          </a:effectRef>
+          <a:fontRef idx="minor">
+            <a:schemeClr val="lt1"/>
+          </a:fontRef>
+        </p:style>
+        <p:txBody>
+          <a:bodyPr rtlCol="0" anchor="ctr"/>
+          <a:lstStyle/>
+          <a:p>
+            <a:pPr algn="ctr"/>
             <a:endParaRPr lang="en-US"/>
           </a:p>
         </p:txBody>
       </p:sp>
       <p:sp>
         <p:nvSpPr>
-          <p:cNvPr id="5" name="Content Placeholder 4">
+          <p:cNvPr id="19" name="TextBox 18">
             <a:extLst>
               <a:ext uri="{FF2B5EF4-FFF2-40B4-BE49-F238E27FC236}">
-                <a16:creationId xmlns:a16="http://schemas.microsoft.com/office/drawing/2014/main" id="{0030F629-DD61-4F9D-9922-29EF564A3372}"/>
+                <a16:creationId xmlns:a16="http://schemas.microsoft.com/office/drawing/2014/main" id="{5DD5CA27-DF60-4218-BE53-3A665891CC5A}"/>
               </a:ext>
             </a:extLst>
           </p:cNvPr>
-          <p:cNvSpPr>
-            <a:spLocks noGrp="1"/>
-          </p:cNvSpPr>
-          <p:nvPr>
-            <p:ph sz="half" idx="2"/>
-          </p:nvPr>
+          <p:cNvSpPr txBox="1"/>
+          <p:nvPr/>
         </p:nvSpPr>
-        <p:spPr/>
+        <p:spPr>
+          <a:xfrm>
+            <a:off x="6858000" y="3713100"/>
+            <a:ext cx="2971800" cy="923330"/>
+          </a:xfrm>
+          <a:prstGeom prst="rect">
+            <a:avLst/>
+          </a:prstGeom>
+          <a:noFill/>
+        </p:spPr>
         <p:txBody>
-          <a:bodyPr/>
+          <a:bodyPr wrap="square">
+            <a:spAutoFit/>
+          </a:bodyPr>
           <a:lstStyle/>
           <a:p>
-            <a:endParaRPr lang="en-US" dirty="0"/>
+            <a:r>
+              <a:rPr lang="en-US" dirty="0"/>
+              <a:t>Total flow rate (</a:t>
+            </a:r>
+            <a:r>
+              <a:rPr lang="en-US" dirty="0" err="1"/>
+              <a:t>Qwf</a:t>
+            </a:r>
+            <a:r>
+              <a:rPr lang="en-US" dirty="0"/>
+              <a:t>) &amp;</a:t>
+            </a:r>
+          </a:p>
+          <a:p>
+            <a:r>
+              <a:rPr lang="en-US" dirty="0"/>
+              <a:t>Water cut </a:t>
+            </a:r>
+          </a:p>
+          <a:p>
+            <a:r>
+              <a:rPr lang="en-US" dirty="0"/>
+              <a:t>(main function)</a:t>
+            </a:r>
           </a:p>
         </p:txBody>
       </p:sp>
@@ -10690,14 +11693,14 @@
           <p:nvPr>
             <p:extLst>
               <p:ext uri="{D42A27DB-BD31-4B8C-83A1-F6EECF244321}">
-                <p14:modId xmlns:p14="http://schemas.microsoft.com/office/powerpoint/2010/main" val="805693473"/>
+                <p14:modId xmlns:p14="http://schemas.microsoft.com/office/powerpoint/2010/main" val="3611404716"/>
               </p:ext>
             </p:extLst>
           </p:nvPr>
         </p:nvGraphicFramePr>
         <p:xfrm>
-          <a:off x="914400" y="1383981"/>
-          <a:ext cx="7162806" cy="4090038"/>
+          <a:off x="342900" y="1600200"/>
+          <a:ext cx="8267700" cy="4090038"/>
         </p:xfrm>
         <a:graphic>
           <a:graphicData uri="http://schemas.openxmlformats.org/drawingml/2006/table">
@@ -10706,63 +11709,63 @@
                 <a:tableStyleId>{5C22544A-7EE6-4342-B048-85BDC9FD1C3A}</a:tableStyleId>
               </a:tblPr>
               <a:tblGrid>
-                <a:gridCol w="740229">
+                <a:gridCol w="905599">
                   <a:extLst>
                     <a:ext uri="{9D8B030D-6E8A-4147-A177-3AD203B41FA5}">
                       <a16:colId xmlns:a16="http://schemas.microsoft.com/office/drawing/2014/main" val="3205362324"/>
                     </a:ext>
                   </a:extLst>
                 </a:gridCol>
-                <a:gridCol w="740229">
+                <a:gridCol w="905599">
                   <a:extLst>
                     <a:ext uri="{9D8B030D-6E8A-4147-A177-3AD203B41FA5}">
                       <a16:colId xmlns:a16="http://schemas.microsoft.com/office/drawing/2014/main" val="1891680783"/>
                     </a:ext>
                   </a:extLst>
                 </a:gridCol>
-                <a:gridCol w="740229">
+                <a:gridCol w="905599">
                   <a:extLst>
                     <a:ext uri="{9D8B030D-6E8A-4147-A177-3AD203B41FA5}">
                       <a16:colId xmlns:a16="http://schemas.microsoft.com/office/drawing/2014/main" val="2336193347"/>
                     </a:ext>
                   </a:extLst>
                 </a:gridCol>
-                <a:gridCol w="740229">
+                <a:gridCol w="905599">
                   <a:extLst>
                     <a:ext uri="{9D8B030D-6E8A-4147-A177-3AD203B41FA5}">
                       <a16:colId xmlns:a16="http://schemas.microsoft.com/office/drawing/2014/main" val="2745630642"/>
                     </a:ext>
                   </a:extLst>
                 </a:gridCol>
-                <a:gridCol w="740229">
+                <a:gridCol w="905599">
                   <a:extLst>
                     <a:ext uri="{9D8B030D-6E8A-4147-A177-3AD203B41FA5}">
                       <a16:colId xmlns:a16="http://schemas.microsoft.com/office/drawing/2014/main" val="2427495911"/>
                     </a:ext>
                   </a:extLst>
                 </a:gridCol>
-                <a:gridCol w="740229">
+                <a:gridCol w="905599">
                   <a:extLst>
                     <a:ext uri="{9D8B030D-6E8A-4147-A177-3AD203B41FA5}">
                       <a16:colId xmlns:a16="http://schemas.microsoft.com/office/drawing/2014/main" val="2026751825"/>
                     </a:ext>
                   </a:extLst>
                 </a:gridCol>
-                <a:gridCol w="740229">
+                <a:gridCol w="905599">
                   <a:extLst>
                     <a:ext uri="{9D8B030D-6E8A-4147-A177-3AD203B41FA5}">
                       <a16:colId xmlns:a16="http://schemas.microsoft.com/office/drawing/2014/main" val="2066953445"/>
                     </a:ext>
                   </a:extLst>
                 </a:gridCol>
-                <a:gridCol w="914400">
+                <a:gridCol w="899807">
                   <a:extLst>
                     <a:ext uri="{9D8B030D-6E8A-4147-A177-3AD203B41FA5}">
                       <a16:colId xmlns:a16="http://schemas.microsoft.com/office/drawing/2014/main" val="1422078149"/>
                     </a:ext>
                   </a:extLst>
                 </a:gridCol>
-                <a:gridCol w="1066803">
+                <a:gridCol w="1028700">
                   <a:extLst>
                     <a:ext uri="{9D8B030D-6E8A-4147-A177-3AD203B41FA5}">
                       <a16:colId xmlns:a16="http://schemas.microsoft.com/office/drawing/2014/main" val="2985533333"/>
@@ -10913,7 +11916,10 @@
                     <a:bodyPr/>
                     <a:lstStyle/>
                     <a:p>
-                      <a:endParaRPr lang="en-US"/>
+                      <a:r>
+                        <a:rPr lang="en-US" dirty="0"/>
+                        <a:t>754.51</a:t>
+                      </a:r>
                     </a:p>
                   </a:txBody>
                   <a:tcPr/>
@@ -10923,7 +11929,10 @@
                     <a:bodyPr/>
                     <a:lstStyle/>
                     <a:p>
-                      <a:endParaRPr lang="en-US"/>
+                      <a:r>
+                        <a:rPr lang="en-US" dirty="0"/>
+                        <a:t>0.2016</a:t>
+                      </a:r>
                     </a:p>
                   </a:txBody>
                   <a:tcPr/>
@@ -10933,7 +11942,10 @@
                     <a:bodyPr/>
                     <a:lstStyle/>
                     <a:p>
-                      <a:endParaRPr lang="en-US"/>
+                      <a:r>
+                        <a:rPr lang="en-US" dirty="0"/>
+                        <a:t>693.32</a:t>
+                      </a:r>
                     </a:p>
                   </a:txBody>
                   <a:tcPr/>
@@ -10943,7 +11955,10 @@
                     <a:bodyPr/>
                     <a:lstStyle/>
                     <a:p>
-                      <a:endParaRPr lang="en-US"/>
+                      <a:r>
+                        <a:rPr lang="en-US" dirty="0"/>
+                        <a:t>0.2017</a:t>
+                      </a:r>
                     </a:p>
                   </a:txBody>
                   <a:tcPr/>
@@ -10953,7 +11968,10 @@
                     <a:bodyPr/>
                     <a:lstStyle/>
                     <a:p>
-                      <a:endParaRPr lang="en-US" dirty="0"/>
+                      <a:r>
+                        <a:rPr lang="en-US" dirty="0"/>
+                        <a:t>667.26</a:t>
+                      </a:r>
                     </a:p>
                   </a:txBody>
                   <a:tcPr/>
@@ -10963,7 +11981,10 @@
                     <a:bodyPr/>
                     <a:lstStyle/>
                     <a:p>
-                      <a:endParaRPr lang="en-US" dirty="0"/>
+                      <a:r>
+                        <a:rPr lang="en-US" dirty="0"/>
+                        <a:t>0.2018</a:t>
+                      </a:r>
                     </a:p>
                   </a:txBody>
                   <a:tcPr/>
@@ -10973,7 +11994,10 @@
                     <a:bodyPr/>
                     <a:lstStyle/>
                     <a:p>
-                      <a:endParaRPr lang="en-US" dirty="0"/>
+                      <a:r>
+                        <a:rPr lang="en-US" dirty="0"/>
+                        <a:t>614.55</a:t>
+                      </a:r>
                     </a:p>
                   </a:txBody>
                   <a:tcPr/>
@@ -10983,7 +12007,10 @@
                     <a:bodyPr/>
                     <a:lstStyle/>
                     <a:p>
-                      <a:endParaRPr lang="en-US" dirty="0"/>
+                      <a:r>
+                        <a:rPr lang="en-US" dirty="0"/>
+                        <a:t>0.6691</a:t>
+                      </a:r>
                     </a:p>
                   </a:txBody>
                   <a:tcPr/>
@@ -11013,7 +12040,10 @@
                     <a:bodyPr/>
                     <a:lstStyle/>
                     <a:p>
-                      <a:endParaRPr lang="en-US"/>
+                      <a:r>
+                        <a:rPr lang="en-US" dirty="0"/>
+                        <a:t>893.25</a:t>
+                      </a:r>
                     </a:p>
                   </a:txBody>
                   <a:tcPr/>
@@ -11023,7 +12053,10 @@
                     <a:bodyPr/>
                     <a:lstStyle/>
                     <a:p>
-                      <a:endParaRPr lang="en-US"/>
+                      <a:r>
+                        <a:rPr lang="en-US" dirty="0"/>
+                        <a:t>0.3032</a:t>
+                      </a:r>
                     </a:p>
                   </a:txBody>
                   <a:tcPr/>
@@ -11033,7 +12066,10 @@
                     <a:bodyPr/>
                     <a:lstStyle/>
                     <a:p>
-                      <a:endParaRPr lang="en-US" dirty="0"/>
+                      <a:r>
+                        <a:rPr lang="en-US" dirty="0"/>
+                        <a:t>836.59</a:t>
+                      </a:r>
                     </a:p>
                   </a:txBody>
                   <a:tcPr/>
@@ -11043,7 +12079,10 @@
                     <a:bodyPr/>
                     <a:lstStyle/>
                     <a:p>
-                      <a:endParaRPr lang="en-US" dirty="0"/>
+                      <a:r>
+                        <a:rPr lang="en-US" dirty="0"/>
+                        <a:t>0.3033</a:t>
+                      </a:r>
                     </a:p>
                   </a:txBody>
                   <a:tcPr/>
@@ -11053,7 +12092,10 @@
                     <a:bodyPr/>
                     <a:lstStyle/>
                     <a:p>
-                      <a:endParaRPr lang="en-US" dirty="0"/>
+                      <a:r>
+                        <a:rPr lang="en-US" dirty="0"/>
+                        <a:t>812.72</a:t>
+                      </a:r>
                     </a:p>
                   </a:txBody>
                   <a:tcPr/>
@@ -11063,7 +12105,10 @@
                     <a:bodyPr/>
                     <a:lstStyle/>
                     <a:p>
-                      <a:endParaRPr lang="en-US" dirty="0"/>
+                      <a:r>
+                        <a:rPr lang="en-US" dirty="0"/>
+                        <a:t>0.3033</a:t>
+                      </a:r>
                     </a:p>
                   </a:txBody>
                   <a:tcPr/>
@@ -11073,7 +12118,10 @@
                     <a:bodyPr/>
                     <a:lstStyle/>
                     <a:p>
-                      <a:endParaRPr lang="en-US" dirty="0"/>
+                      <a:r>
+                        <a:rPr lang="en-US" dirty="0"/>
+                        <a:t>825.64</a:t>
+                      </a:r>
                     </a:p>
                   </a:txBody>
                   <a:tcPr/>
@@ -11083,7 +12131,10 @@
                     <a:bodyPr/>
                     <a:lstStyle/>
                     <a:p>
-                      <a:endParaRPr lang="en-US" dirty="0"/>
+                      <a:r>
+                        <a:rPr lang="en-US" dirty="0"/>
+                        <a:t>0.6938</a:t>
+                      </a:r>
                     </a:p>
                   </a:txBody>
                   <a:tcPr/>
@@ -11113,7 +12164,10 @@
                     <a:bodyPr/>
                     <a:lstStyle/>
                     <a:p>
-                      <a:endParaRPr lang="en-US"/>
+                      <a:r>
+                        <a:rPr lang="en-US" dirty="0"/>
+                        <a:t>872.17</a:t>
+                      </a:r>
                     </a:p>
                   </a:txBody>
                   <a:tcPr/>
@@ -11123,7 +12177,10 @@
                     <a:bodyPr/>
                     <a:lstStyle/>
                     <a:p>
-                      <a:endParaRPr lang="en-US"/>
+                      <a:r>
+                        <a:rPr lang="en-US" dirty="0"/>
+                        <a:t>0.5706</a:t>
+                      </a:r>
                     </a:p>
                   </a:txBody>
                   <a:tcPr/>
@@ -11133,7 +12190,10 @@
                     <a:bodyPr/>
                     <a:lstStyle/>
                     <a:p>
-                      <a:endParaRPr lang="en-US"/>
+                      <a:r>
+                        <a:rPr lang="en-US" dirty="0"/>
+                        <a:t>830.80</a:t>
+                      </a:r>
                     </a:p>
                   </a:txBody>
                   <a:tcPr/>
@@ -11143,7 +12203,10 @@
                     <a:bodyPr/>
                     <a:lstStyle/>
                     <a:p>
-                      <a:endParaRPr lang="en-US"/>
+                      <a:r>
+                        <a:rPr lang="en-US" dirty="0"/>
+                        <a:t>0.5703</a:t>
+                      </a:r>
                     </a:p>
                   </a:txBody>
                   <a:tcPr/>
@@ -11153,7 +12216,10 @@
                     <a:bodyPr/>
                     <a:lstStyle/>
                     <a:p>
-                      <a:endParaRPr lang="en-US" dirty="0"/>
+                      <a:r>
+                        <a:rPr lang="en-US" dirty="0"/>
+                        <a:t>813.45</a:t>
+                      </a:r>
                     </a:p>
                   </a:txBody>
                   <a:tcPr/>
@@ -11163,7 +12229,10 @@
                     <a:bodyPr/>
                     <a:lstStyle/>
                     <a:p>
-                      <a:endParaRPr lang="en-US" dirty="0"/>
+                      <a:r>
+                        <a:rPr lang="en-US" dirty="0"/>
+                        <a:t>0.5702</a:t>
+                      </a:r>
                     </a:p>
                   </a:txBody>
                   <a:tcPr/>
@@ -11173,7 +12242,10 @@
                     <a:bodyPr/>
                     <a:lstStyle/>
                     <a:p>
-                      <a:endParaRPr lang="en-US" dirty="0"/>
+                      <a:r>
+                        <a:rPr lang="en-US" dirty="0"/>
+                        <a:t>822.08</a:t>
+                      </a:r>
                     </a:p>
                   </a:txBody>
                   <a:tcPr/>
@@ -11183,7 +12255,10 @@
                     <a:bodyPr/>
                     <a:lstStyle/>
                     <a:p>
-                      <a:endParaRPr lang="en-US" dirty="0"/>
+                      <a:r>
+                        <a:rPr lang="en-US" dirty="0"/>
+                        <a:t>0.5947</a:t>
+                      </a:r>
                     </a:p>
                   </a:txBody>
                   <a:tcPr/>
@@ -11213,7 +12288,10 @@
                     <a:bodyPr/>
                     <a:lstStyle/>
                     <a:p>
-                      <a:endParaRPr lang="en-US"/>
+                      <a:r>
+                        <a:rPr lang="en-US" dirty="0"/>
+                        <a:t>765.06</a:t>
+                      </a:r>
                     </a:p>
                   </a:txBody>
                   <a:tcPr/>
@@ -11223,7 +12301,10 @@
                     <a:bodyPr/>
                     <a:lstStyle/>
                     <a:p>
-                      <a:endParaRPr lang="en-US" dirty="0"/>
+                      <a:r>
+                        <a:rPr lang="en-US" dirty="0"/>
+                        <a:t>0.2016</a:t>
+                      </a:r>
                     </a:p>
                   </a:txBody>
                   <a:tcPr/>
@@ -11233,7 +12314,10 @@
                     <a:bodyPr/>
                     <a:lstStyle/>
                     <a:p>
-                      <a:endParaRPr lang="en-US"/>
+                      <a:r>
+                        <a:rPr lang="en-US" dirty="0"/>
+                        <a:t>703.90</a:t>
+                      </a:r>
                     </a:p>
                   </a:txBody>
                   <a:tcPr/>
@@ -11243,7 +12327,10 @@
                     <a:bodyPr/>
                     <a:lstStyle/>
                     <a:p>
-                      <a:endParaRPr lang="en-US"/>
+                      <a:r>
+                        <a:rPr lang="en-US" dirty="0"/>
+                        <a:t>0.2017</a:t>
+                      </a:r>
                     </a:p>
                   </a:txBody>
                   <a:tcPr/>
@@ -11253,7 +12340,10 @@
                     <a:bodyPr/>
                     <a:lstStyle/>
                     <a:p>
-                      <a:endParaRPr lang="en-US" dirty="0"/>
+                      <a:r>
+                        <a:rPr lang="en-US" dirty="0"/>
+                        <a:t>677.83</a:t>
+                      </a:r>
                     </a:p>
                   </a:txBody>
                   <a:tcPr/>
@@ -11263,7 +12353,10 @@
                     <a:bodyPr/>
                     <a:lstStyle/>
                     <a:p>
-                      <a:endParaRPr lang="en-US" dirty="0"/>
+                      <a:r>
+                        <a:rPr lang="en-US" dirty="0"/>
+                        <a:t>0.2018</a:t>
+                      </a:r>
                     </a:p>
                   </a:txBody>
                   <a:tcPr/>
@@ -11273,7 +12366,10 @@
                     <a:bodyPr/>
                     <a:lstStyle/>
                     <a:p>
-                      <a:endParaRPr lang="en-US" dirty="0"/>
+                      <a:r>
+                        <a:rPr lang="en-US" dirty="0"/>
+                        <a:t>633.78</a:t>
+                      </a:r>
                     </a:p>
                   </a:txBody>
                   <a:tcPr/>
@@ -11283,7 +12379,10 @@
                     <a:bodyPr/>
                     <a:lstStyle/>
                     <a:p>
-                      <a:endParaRPr lang="en-US" dirty="0"/>
+                      <a:r>
+                        <a:rPr lang="en-US" dirty="0"/>
+                        <a:t>0.5910</a:t>
+                      </a:r>
                     </a:p>
                   </a:txBody>
                   <a:tcPr/>
@@ -11313,7 +12412,10 @@
                     <a:bodyPr/>
                     <a:lstStyle/>
                     <a:p>
-                      <a:endParaRPr lang="en-US"/>
+                      <a:r>
+                        <a:rPr lang="en-US" dirty="0"/>
+                        <a:t>895.61</a:t>
+                      </a:r>
                     </a:p>
                   </a:txBody>
                   <a:tcPr/>
@@ -11323,7 +12425,10 @@
                     <a:bodyPr/>
                     <a:lstStyle/>
                     <a:p>
-                      <a:endParaRPr lang="en-US"/>
+                      <a:r>
+                        <a:rPr lang="en-US" dirty="0"/>
+                        <a:t>0.3075</a:t>
+                      </a:r>
                     </a:p>
                   </a:txBody>
                   <a:tcPr/>
@@ -11333,7 +12438,10 @@
                     <a:bodyPr/>
                     <a:lstStyle/>
                     <a:p>
-                      <a:endParaRPr lang="en-US"/>
+                      <a:r>
+                        <a:rPr lang="en-US" dirty="0"/>
+                        <a:t>839.16</a:t>
+                      </a:r>
                     </a:p>
                   </a:txBody>
                   <a:tcPr/>
@@ -11343,7 +12451,10 @@
                     <a:bodyPr/>
                     <a:lstStyle/>
                     <a:p>
-                      <a:endParaRPr lang="en-US"/>
+                      <a:r>
+                        <a:rPr lang="en-US" dirty="0"/>
+                        <a:t>0.3119</a:t>
+                      </a:r>
                     </a:p>
                   </a:txBody>
                   <a:tcPr/>
@@ -11353,7 +12464,10 @@
                     <a:bodyPr/>
                     <a:lstStyle/>
                     <a:p>
-                      <a:endParaRPr lang="en-US" dirty="0"/>
+                      <a:r>
+                        <a:rPr lang="en-US" dirty="0"/>
+                        <a:t>815.44</a:t>
+                      </a:r>
                     </a:p>
                   </a:txBody>
                   <a:tcPr/>
@@ -11363,7 +12477,10 @@
                     <a:bodyPr/>
                     <a:lstStyle/>
                     <a:p>
-                      <a:endParaRPr lang="en-US" dirty="0"/>
+                      <a:r>
+                        <a:rPr lang="en-US" dirty="0"/>
+                        <a:t>0.3163</a:t>
+                      </a:r>
                     </a:p>
                   </a:txBody>
                   <a:tcPr/>
@@ -11373,7 +12490,10 @@
                     <a:bodyPr/>
                     <a:lstStyle/>
                     <a:p>
-                      <a:endParaRPr lang="en-US" dirty="0"/>
+                      <a:r>
+                        <a:rPr lang="en-US" dirty="0"/>
+                        <a:t>827.88</a:t>
+                      </a:r>
                     </a:p>
                   </a:txBody>
                   <a:tcPr/>
@@ -11383,7 +12503,10 @@
                     <a:bodyPr/>
                     <a:lstStyle/>
                     <a:p>
-                      <a:endParaRPr lang="en-US" dirty="0"/>
+                      <a:r>
+                        <a:rPr lang="en-US" dirty="0"/>
+                        <a:t>0.7137</a:t>
+                      </a:r>
                     </a:p>
                   </a:txBody>
                   <a:tcPr/>
@@ -11413,7 +12536,10 @@
                     <a:bodyPr/>
                     <a:lstStyle/>
                     <a:p>
-                      <a:endParaRPr lang="en-US" dirty="0"/>
+                      <a:r>
+                        <a:rPr lang="en-US" dirty="0"/>
+                        <a:t>869.08</a:t>
+                      </a:r>
                     </a:p>
                   </a:txBody>
                   <a:tcPr/>
@@ -11423,7 +12549,10 @@
                     <a:bodyPr/>
                     <a:lstStyle/>
                     <a:p>
-                      <a:endParaRPr lang="en-US" dirty="0"/>
+                      <a:r>
+                        <a:rPr lang="en-US" dirty="0"/>
+                        <a:t>0.5705</a:t>
+                      </a:r>
                     </a:p>
                   </a:txBody>
                   <a:tcPr/>
@@ -11433,7 +12562,10 @@
                     <a:bodyPr/>
                     <a:lstStyle/>
                     <a:p>
-                      <a:endParaRPr lang="en-US" dirty="0"/>
+                      <a:r>
+                        <a:rPr lang="en-US" dirty="0"/>
+                        <a:t>829.48</a:t>
+                      </a:r>
                     </a:p>
                   </a:txBody>
                   <a:tcPr/>
@@ -11443,7 +12575,10 @@
                     <a:bodyPr/>
                     <a:lstStyle/>
                     <a:p>
-                      <a:endParaRPr lang="en-US"/>
+                      <a:r>
+                        <a:rPr lang="en-US" dirty="0"/>
+                        <a:t>0.5701</a:t>
+                      </a:r>
                     </a:p>
                   </a:txBody>
                   <a:tcPr/>
@@ -11453,7 +12588,10 @@
                     <a:bodyPr/>
                     <a:lstStyle/>
                     <a:p>
-                      <a:endParaRPr lang="en-US"/>
+                      <a:r>
+                        <a:rPr lang="en-US" dirty="0"/>
+                        <a:t>812.85</a:t>
+                      </a:r>
                     </a:p>
                   </a:txBody>
                   <a:tcPr/>
@@ -11463,7 +12601,10 @@
                     <a:bodyPr/>
                     <a:lstStyle/>
                     <a:p>
-                      <a:endParaRPr lang="en-US" dirty="0"/>
+                      <a:r>
+                        <a:rPr lang="en-US" dirty="0"/>
+                        <a:t>0.5699</a:t>
+                      </a:r>
                     </a:p>
                   </a:txBody>
                   <a:tcPr/>
@@ -11473,7 +12614,10 @@
                     <a:bodyPr/>
                     <a:lstStyle/>
                     <a:p>
-                      <a:endParaRPr lang="en-US" dirty="0"/>
+                      <a:r>
+                        <a:rPr lang="en-US" dirty="0"/>
+                        <a:t>821.17</a:t>
+                      </a:r>
                     </a:p>
                   </a:txBody>
                   <a:tcPr/>
@@ -11483,7 +12627,10 @@
                     <a:bodyPr/>
                     <a:lstStyle/>
                     <a:p>
-                      <a:endParaRPr lang="en-US" dirty="0"/>
+                      <a:r>
+                        <a:rPr lang="en-US" dirty="0"/>
+                        <a:t>0.6031</a:t>
+                      </a:r>
                     </a:p>
                   </a:txBody>
                   <a:tcPr/>
@@ -11513,7 +12660,10 @@
                     <a:bodyPr/>
                     <a:lstStyle/>
                     <a:p>
-                      <a:endParaRPr lang="en-US" dirty="0"/>
+                      <a:r>
+                        <a:rPr lang="en-US" dirty="0"/>
+                        <a:t>775.76</a:t>
+                      </a:r>
                     </a:p>
                   </a:txBody>
                   <a:tcPr/>
@@ -11523,7 +12673,10 @@
                     <a:bodyPr/>
                     <a:lstStyle/>
                     <a:p>
-                      <a:endParaRPr lang="en-US" dirty="0"/>
+                      <a:r>
+                        <a:rPr lang="en-US" dirty="0"/>
+                        <a:t>0.2016</a:t>
+                      </a:r>
                     </a:p>
                   </a:txBody>
                   <a:tcPr/>
@@ -11533,7 +12686,10 @@
                     <a:bodyPr/>
                     <a:lstStyle/>
                     <a:p>
-                      <a:endParaRPr lang="en-US" dirty="0"/>
+                      <a:r>
+                        <a:rPr lang="en-US" dirty="0"/>
+                        <a:t>714.52</a:t>
+                      </a:r>
                     </a:p>
                   </a:txBody>
                   <a:tcPr/>
@@ -11543,7 +12699,10 @@
                     <a:bodyPr/>
                     <a:lstStyle/>
                     <a:p>
-                      <a:endParaRPr lang="en-US" dirty="0"/>
+                      <a:r>
+                        <a:rPr lang="en-US" dirty="0"/>
+                        <a:t>0.2016</a:t>
+                      </a:r>
                     </a:p>
                   </a:txBody>
                   <a:tcPr/>
@@ -11553,7 +12712,10 @@
                     <a:bodyPr/>
                     <a:lstStyle/>
                     <a:p>
-                      <a:endParaRPr lang="en-US" dirty="0"/>
+                      <a:r>
+                        <a:rPr lang="en-US" dirty="0"/>
+                        <a:t>688.49</a:t>
+                      </a:r>
                     </a:p>
                   </a:txBody>
                   <a:tcPr/>
@@ -11563,7 +12725,10 @@
                     <a:bodyPr/>
                     <a:lstStyle/>
                     <a:p>
-                      <a:endParaRPr lang="en-US" dirty="0"/>
+                      <a:r>
+                        <a:rPr lang="en-US" dirty="0"/>
+                        <a:t>0.2017</a:t>
+                      </a:r>
                     </a:p>
                   </a:txBody>
                   <a:tcPr/>
@@ -11573,7 +12738,10 @@
                     <a:bodyPr/>
                     <a:lstStyle/>
                     <a:p>
-                      <a:endParaRPr lang="en-US" dirty="0"/>
+                      <a:r>
+                        <a:rPr lang="en-US" dirty="0"/>
+                        <a:t>647.49</a:t>
+                      </a:r>
                     </a:p>
                   </a:txBody>
                   <a:tcPr/>
@@ -11583,7 +12751,10 @@
                     <a:bodyPr/>
                     <a:lstStyle/>
                     <a:p>
-                      <a:endParaRPr lang="en-US" dirty="0"/>
+                      <a:r>
+                        <a:rPr lang="en-US" dirty="0"/>
+                        <a:t>0.5095</a:t>
+                      </a:r>
                     </a:p>
                   </a:txBody>
                   <a:tcPr/>
@@ -11613,7 +12784,10 @@
                     <a:bodyPr/>
                     <a:lstStyle/>
                     <a:p>
-                      <a:endParaRPr lang="en-US" dirty="0"/>
+                      <a:r>
+                        <a:rPr lang="en-US" dirty="0"/>
+                        <a:t>888.54</a:t>
+                      </a:r>
                     </a:p>
                   </a:txBody>
                   <a:tcPr/>
@@ -11623,7 +12797,10 @@
                     <a:bodyPr/>
                     <a:lstStyle/>
                     <a:p>
-                      <a:endParaRPr lang="en-US" dirty="0"/>
+                      <a:r>
+                        <a:rPr lang="en-US" dirty="0"/>
+                        <a:t>0.3075</a:t>
+                      </a:r>
                     </a:p>
                   </a:txBody>
                   <a:tcPr/>
@@ -11633,7 +12810,10 @@
                     <a:bodyPr/>
                     <a:lstStyle/>
                     <a:p>
-                      <a:endParaRPr lang="en-US" dirty="0"/>
+                      <a:r>
+                        <a:rPr lang="en-US" dirty="0"/>
+                        <a:t>833.02</a:t>
+                      </a:r>
                     </a:p>
                   </a:txBody>
                   <a:tcPr/>
@@ -11643,7 +12823,10 @@
                     <a:bodyPr/>
                     <a:lstStyle/>
                     <a:p>
-                      <a:endParaRPr lang="en-US" dirty="0"/>
+                      <a:r>
+                        <a:rPr lang="en-US" dirty="0"/>
+                        <a:t>0.3032</a:t>
+                      </a:r>
                     </a:p>
                   </a:txBody>
                   <a:tcPr/>
@@ -11653,7 +12836,10 @@
                     <a:bodyPr/>
                     <a:lstStyle/>
                     <a:p>
-                      <a:endParaRPr lang="en-US" dirty="0"/>
+                      <a:r>
+                        <a:rPr lang="en-US" dirty="0"/>
+                        <a:t>809.59</a:t>
+                      </a:r>
                     </a:p>
                   </a:txBody>
                   <a:tcPr/>
@@ -11663,7 +12849,10 @@
                     <a:bodyPr/>
                     <a:lstStyle/>
                     <a:p>
-                      <a:endParaRPr lang="en-US" dirty="0"/>
+                      <a:r>
+                        <a:rPr lang="en-US" dirty="0"/>
+                        <a:t>0.3033</a:t>
+                      </a:r>
                     </a:p>
                   </a:txBody>
                   <a:tcPr/>
@@ -11673,7 +12862,10 @@
                     <a:bodyPr/>
                     <a:lstStyle/>
                     <a:p>
-                      <a:endParaRPr lang="en-US" dirty="0"/>
+                      <a:r>
+                        <a:rPr lang="en-US" dirty="0"/>
+                        <a:t>824.10</a:t>
+                      </a:r>
                     </a:p>
                   </a:txBody>
                   <a:tcPr/>
@@ -11683,7 +12875,10 @@
                     <a:bodyPr/>
                     <a:lstStyle/>
                     <a:p>
-                      <a:endParaRPr lang="en-US" dirty="0"/>
+                      <a:r>
+                        <a:rPr lang="en-US" dirty="0"/>
+                        <a:t>0.6680</a:t>
+                      </a:r>
                     </a:p>
                   </a:txBody>
                   <a:tcPr/>
@@ -11713,7 +12908,10 @@
                     <a:bodyPr/>
                     <a:lstStyle/>
                     <a:p>
-                      <a:endParaRPr lang="en-US" dirty="0"/>
+                      <a:r>
+                        <a:rPr lang="en-US" dirty="0"/>
+                        <a:t>857.69</a:t>
+                      </a:r>
                     </a:p>
                   </a:txBody>
                   <a:tcPr/>
@@ -11723,7 +12921,10 @@
                     <a:bodyPr/>
                     <a:lstStyle/>
                     <a:p>
-                      <a:endParaRPr lang="en-US" dirty="0"/>
+                      <a:r>
+                        <a:rPr lang="en-US" dirty="0"/>
+                        <a:t>0.5701</a:t>
+                      </a:r>
                     </a:p>
                   </a:txBody>
                   <a:tcPr/>
@@ -11733,7 +12934,10 @@
                     <a:bodyPr/>
                     <a:lstStyle/>
                     <a:p>
-                      <a:endParaRPr lang="en-US" dirty="0"/>
+                      <a:r>
+                        <a:rPr lang="en-US" dirty="0"/>
+                        <a:t>824.41</a:t>
+                      </a:r>
                     </a:p>
                   </a:txBody>
                   <a:tcPr/>
@@ -11743,7 +12947,10 @@
                     <a:bodyPr/>
                     <a:lstStyle/>
                     <a:p>
-                      <a:endParaRPr lang="en-US" dirty="0"/>
+                      <a:r>
+                        <a:rPr lang="en-US" dirty="0"/>
+                        <a:t>0.5697</a:t>
+                      </a:r>
                     </a:p>
                   </a:txBody>
                   <a:tcPr/>
@@ -11753,7 +12960,10 @@
                     <a:bodyPr/>
                     <a:lstStyle/>
                     <a:p>
-                      <a:endParaRPr lang="en-US" dirty="0"/>
+                      <a:r>
+                        <a:rPr lang="en-US" dirty="0"/>
+                        <a:t>810.42</a:t>
+                      </a:r>
                     </a:p>
                   </a:txBody>
                   <a:tcPr/>
@@ -11763,7 +12973,10 @@
                     <a:bodyPr/>
                     <a:lstStyle/>
                     <a:p>
-                      <a:endParaRPr lang="en-US" dirty="0"/>
+                      <a:r>
+                        <a:rPr lang="en-US" dirty="0"/>
+                        <a:t>0.5695</a:t>
+                      </a:r>
                     </a:p>
                   </a:txBody>
                   <a:tcPr/>
@@ -11773,7 +12986,10 @@
                     <a:bodyPr/>
                     <a:lstStyle/>
                     <a:p>
-                      <a:endParaRPr lang="en-US" dirty="0"/>
+                      <a:r>
+                        <a:rPr lang="en-US" dirty="0"/>
+                        <a:t>817.52</a:t>
+                      </a:r>
                     </a:p>
                   </a:txBody>
                   <a:tcPr/>
@@ -11783,7 +12999,10 @@
                     <a:bodyPr/>
                     <a:lstStyle/>
                     <a:p>
-                      <a:endParaRPr lang="en-US" dirty="0"/>
+                      <a:r>
+                        <a:rPr lang="en-US" dirty="0"/>
+                        <a:t>0.5957</a:t>
+                      </a:r>
                     </a:p>
                   </a:txBody>
                   <a:tcPr/>
@@ -11917,31 +13136,6 @@
       </p:sp>
       <p:sp>
         <p:nvSpPr>
-          <p:cNvPr id="5" name="Content Placeholder 4">
-            <a:extLst>
-              <a:ext uri="{FF2B5EF4-FFF2-40B4-BE49-F238E27FC236}">
-                <a16:creationId xmlns:a16="http://schemas.microsoft.com/office/drawing/2014/main" id="{68805A95-43D3-48B6-B01C-0EAA7EC9B507}"/>
-              </a:ext>
-            </a:extLst>
-          </p:cNvPr>
-          <p:cNvSpPr>
-            <a:spLocks noGrp="1"/>
-          </p:cNvSpPr>
-          <p:nvPr>
-            <p:ph sz="half" idx="2"/>
-          </p:nvPr>
-        </p:nvSpPr>
-        <p:spPr/>
-        <p:txBody>
-          <a:bodyPr/>
-          <a:lstStyle/>
-          <a:p>
-            <a:endParaRPr lang="en-US"/>
-          </a:p>
-        </p:txBody>
-      </p:sp>
-      <p:sp>
-        <p:nvSpPr>
           <p:cNvPr id="6" name="Text Placeholder 5">
             <a:extLst>
               <a:ext uri="{FF2B5EF4-FFF2-40B4-BE49-F238E27FC236}">
@@ -11969,31 +13163,76 @@
           </a:p>
         </p:txBody>
       </p:sp>
-      <p:sp>
-        <p:nvSpPr>
-          <p:cNvPr id="7" name="Content Placeholder 6">
+      <p:pic>
+        <p:nvPicPr>
+          <p:cNvPr id="9" name="Content Placeholder 8">
             <a:extLst>
               <a:ext uri="{FF2B5EF4-FFF2-40B4-BE49-F238E27FC236}">
-                <a16:creationId xmlns:a16="http://schemas.microsoft.com/office/drawing/2014/main" id="{546D8D68-A481-4731-B251-D43E9D3CBFC5}"/>
+                <a16:creationId xmlns:a16="http://schemas.microsoft.com/office/drawing/2014/main" id="{E7026456-506F-4D38-93B4-6EDAAFBA637C}"/>
               </a:ext>
             </a:extLst>
           </p:cNvPr>
-          <p:cNvSpPr>
-            <a:spLocks noGrp="1"/>
-          </p:cNvSpPr>
+          <p:cNvPicPr>
+            <a:picLocks noGrp="1" noChangeAspect="1"/>
+          </p:cNvPicPr>
           <p:nvPr>
             <p:ph sz="quarter" idx="4"/>
           </p:nvPr>
-        </p:nvSpPr>
-        <p:spPr/>
-        <p:txBody>
-          <a:bodyPr/>
-          <a:lstStyle/>
-          <a:p>
-            <a:endParaRPr lang="en-US" dirty="0"/>
-          </a:p>
-        </p:txBody>
-      </p:sp>
+        </p:nvPicPr>
+        <p:blipFill>
+          <a:blip r:embed="rId2">
+            <a:extLst>
+              <a:ext uri="{28A0092B-C50C-407E-A947-70E740481C1C}">
+                <a14:useLocalDpi xmlns:a14="http://schemas.microsoft.com/office/drawing/2010/main" val="0"/>
+              </a:ext>
+            </a:extLst>
+          </a:blip>
+          <a:stretch>
+            <a:fillRect/>
+          </a:stretch>
+        </p:blipFill>
+        <p:spPr>
+          <a:xfrm>
+            <a:off x="4731589" y="2174875"/>
+            <a:ext cx="3868646" cy="3951288"/>
+          </a:xfrm>
+        </p:spPr>
+      </p:pic>
+      <p:pic>
+        <p:nvPicPr>
+          <p:cNvPr id="14" name="Content Placeholder 13">
+            <a:extLst>
+              <a:ext uri="{FF2B5EF4-FFF2-40B4-BE49-F238E27FC236}">
+                <a16:creationId xmlns:a16="http://schemas.microsoft.com/office/drawing/2014/main" id="{384EFC9C-8F3F-46CD-9658-8B4A31DDDD29}"/>
+              </a:ext>
+            </a:extLst>
+          </p:cNvPr>
+          <p:cNvPicPr>
+            <a:picLocks noGrp="1" noChangeAspect="1"/>
+          </p:cNvPicPr>
+          <p:nvPr>
+            <p:ph sz="half" idx="2"/>
+          </p:nvPr>
+        </p:nvPicPr>
+        <p:blipFill>
+          <a:blip r:embed="rId3">
+            <a:extLst>
+              <a:ext uri="{28A0092B-C50C-407E-A947-70E740481C1C}">
+                <a14:useLocalDpi xmlns:a14="http://schemas.microsoft.com/office/drawing/2010/main" val="0"/>
+              </a:ext>
+            </a:extLst>
+          </a:blip>
+          <a:stretch>
+            <a:fillRect/>
+          </a:stretch>
+        </p:blipFill>
+        <p:spPr>
+          <a:xfrm>
+            <a:off x="542971" y="2174875"/>
+            <a:ext cx="3868646" cy="3951288"/>
+          </a:xfrm>
+        </p:spPr>
+      </p:pic>
     </p:spTree>
     <p:extLst>
       <p:ext uri="{BB962C8B-B14F-4D97-AF65-F5344CB8AC3E}">
@@ -12103,31 +13342,41 @@
           </a:p>
         </p:txBody>
       </p:sp>
-      <p:sp>
-        <p:nvSpPr>
-          <p:cNvPr id="5" name="Content Placeholder 4">
+      <p:pic>
+        <p:nvPicPr>
+          <p:cNvPr id="8" name="Content Placeholder 7">
             <a:extLst>
               <a:ext uri="{FF2B5EF4-FFF2-40B4-BE49-F238E27FC236}">
-                <a16:creationId xmlns:a16="http://schemas.microsoft.com/office/drawing/2014/main" id="{68805A95-43D3-48B6-B01C-0EAA7EC9B507}"/>
+                <a16:creationId xmlns:a16="http://schemas.microsoft.com/office/drawing/2014/main" id="{1244E842-04F9-49D0-8C09-7F7338ED3E55}"/>
               </a:ext>
             </a:extLst>
           </p:cNvPr>
-          <p:cNvSpPr>
-            <a:spLocks noGrp="1"/>
-          </p:cNvSpPr>
+          <p:cNvPicPr>
+            <a:picLocks noGrp="1" noChangeAspect="1"/>
+          </p:cNvPicPr>
           <p:nvPr>
             <p:ph sz="half" idx="2"/>
           </p:nvPr>
-        </p:nvSpPr>
-        <p:spPr/>
-        <p:txBody>
-          <a:bodyPr/>
-          <a:lstStyle/>
-          <a:p>
-            <a:endParaRPr lang="en-US"/>
-          </a:p>
-        </p:txBody>
-      </p:sp>
+        </p:nvPicPr>
+        <p:blipFill>
+          <a:blip r:embed="rId2">
+            <a:extLst>
+              <a:ext uri="{28A0092B-C50C-407E-A947-70E740481C1C}">
+                <a14:useLocalDpi xmlns:a14="http://schemas.microsoft.com/office/drawing/2010/main" val="0"/>
+              </a:ext>
+            </a:extLst>
+          </a:blip>
+          <a:stretch>
+            <a:fillRect/>
+          </a:stretch>
+        </p:blipFill>
+        <p:spPr>
+          <a:xfrm>
+            <a:off x="542971" y="2174875"/>
+            <a:ext cx="3868646" cy="3951288"/>
+          </a:xfrm>
+        </p:spPr>
+      </p:pic>
       <p:sp>
         <p:nvSpPr>
           <p:cNvPr id="6" name="Text Placeholder 5">
@@ -12157,31 +13406,41 @@
           </a:p>
         </p:txBody>
       </p:sp>
-      <p:sp>
-        <p:nvSpPr>
-          <p:cNvPr id="7" name="Content Placeholder 6">
+      <p:pic>
+        <p:nvPicPr>
+          <p:cNvPr id="10" name="Content Placeholder 9">
             <a:extLst>
               <a:ext uri="{FF2B5EF4-FFF2-40B4-BE49-F238E27FC236}">
-                <a16:creationId xmlns:a16="http://schemas.microsoft.com/office/drawing/2014/main" id="{546D8D68-A481-4731-B251-D43E9D3CBFC5}"/>
+                <a16:creationId xmlns:a16="http://schemas.microsoft.com/office/drawing/2014/main" id="{17AB9315-E231-40F3-B4F2-F5F64A7D0DC5}"/>
               </a:ext>
             </a:extLst>
           </p:cNvPr>
-          <p:cNvSpPr>
-            <a:spLocks noGrp="1"/>
-          </p:cNvSpPr>
+          <p:cNvPicPr>
+            <a:picLocks noGrp="1" noChangeAspect="1"/>
+          </p:cNvPicPr>
           <p:nvPr>
             <p:ph sz="quarter" idx="4"/>
           </p:nvPr>
-        </p:nvSpPr>
-        <p:spPr/>
-        <p:txBody>
-          <a:bodyPr/>
-          <a:lstStyle/>
-          <a:p>
-            <a:endParaRPr lang="en-US" dirty="0"/>
-          </a:p>
-        </p:txBody>
-      </p:sp>
+        </p:nvPicPr>
+        <p:blipFill>
+          <a:blip r:embed="rId3">
+            <a:extLst>
+              <a:ext uri="{28A0092B-C50C-407E-A947-70E740481C1C}">
+                <a14:useLocalDpi xmlns:a14="http://schemas.microsoft.com/office/drawing/2010/main" val="0"/>
+              </a:ext>
+            </a:extLst>
+          </a:blip>
+          <a:stretch>
+            <a:fillRect/>
+          </a:stretch>
+        </p:blipFill>
+        <p:spPr>
+          <a:xfrm>
+            <a:off x="4731589" y="2174875"/>
+            <a:ext cx="3868646" cy="3951288"/>
+          </a:xfrm>
+        </p:spPr>
+      </p:pic>
     </p:spTree>
     <p:extLst>
       <p:ext uri="{BB962C8B-B14F-4D97-AF65-F5344CB8AC3E}">
@@ -12309,31 +13568,6 @@
       </p:sp>
       <p:sp>
         <p:nvSpPr>
-          <p:cNvPr id="5" name="Content Placeholder 4">
-            <a:extLst>
-              <a:ext uri="{FF2B5EF4-FFF2-40B4-BE49-F238E27FC236}">
-                <a16:creationId xmlns:a16="http://schemas.microsoft.com/office/drawing/2014/main" id="{68805A95-43D3-48B6-B01C-0EAA7EC9B507}"/>
-              </a:ext>
-            </a:extLst>
-          </p:cNvPr>
-          <p:cNvSpPr>
-            <a:spLocks noGrp="1"/>
-          </p:cNvSpPr>
-          <p:nvPr>
-            <p:ph sz="half" idx="2"/>
-          </p:nvPr>
-        </p:nvSpPr>
-        <p:spPr/>
-        <p:txBody>
-          <a:bodyPr/>
-          <a:lstStyle/>
-          <a:p>
-            <a:endParaRPr lang="en-US"/>
-          </a:p>
-        </p:txBody>
-      </p:sp>
-      <p:sp>
-        <p:nvSpPr>
           <p:cNvPr id="6" name="Text Placeholder 5">
             <a:extLst>
               <a:ext uri="{FF2B5EF4-FFF2-40B4-BE49-F238E27FC236}">
@@ -12361,31 +13595,76 @@
           </a:p>
         </p:txBody>
       </p:sp>
-      <p:sp>
-        <p:nvSpPr>
-          <p:cNvPr id="7" name="Content Placeholder 6">
+      <p:pic>
+        <p:nvPicPr>
+          <p:cNvPr id="12" name="Content Placeholder 11">
             <a:extLst>
               <a:ext uri="{FF2B5EF4-FFF2-40B4-BE49-F238E27FC236}">
-                <a16:creationId xmlns:a16="http://schemas.microsoft.com/office/drawing/2014/main" id="{546D8D68-A481-4731-B251-D43E9D3CBFC5}"/>
+                <a16:creationId xmlns:a16="http://schemas.microsoft.com/office/drawing/2014/main" id="{077359B7-89F4-4624-AA0E-A5F6835AD159}"/>
               </a:ext>
             </a:extLst>
           </p:cNvPr>
-          <p:cNvSpPr>
-            <a:spLocks noGrp="1"/>
-          </p:cNvSpPr>
+          <p:cNvPicPr>
+            <a:picLocks noGrp="1" noChangeAspect="1"/>
+          </p:cNvPicPr>
+          <p:nvPr>
+            <p:ph sz="half" idx="2"/>
+          </p:nvPr>
+        </p:nvPicPr>
+        <p:blipFill>
+          <a:blip r:embed="rId2">
+            <a:extLst>
+              <a:ext uri="{28A0092B-C50C-407E-A947-70E740481C1C}">
+                <a14:useLocalDpi xmlns:a14="http://schemas.microsoft.com/office/drawing/2010/main" val="0"/>
+              </a:ext>
+            </a:extLst>
+          </a:blip>
+          <a:stretch>
+            <a:fillRect/>
+          </a:stretch>
+        </p:blipFill>
+        <p:spPr>
+          <a:xfrm>
+            <a:off x="532640" y="2174875"/>
+            <a:ext cx="3889307" cy="3951288"/>
+          </a:xfrm>
+        </p:spPr>
+      </p:pic>
+      <p:pic>
+        <p:nvPicPr>
+          <p:cNvPr id="14" name="Content Placeholder 13">
+            <a:extLst>
+              <a:ext uri="{FF2B5EF4-FFF2-40B4-BE49-F238E27FC236}">
+                <a16:creationId xmlns:a16="http://schemas.microsoft.com/office/drawing/2014/main" id="{0B5FB6AD-33E1-42D6-B0AC-A3FCB9489923}"/>
+              </a:ext>
+            </a:extLst>
+          </p:cNvPr>
+          <p:cNvPicPr>
+            <a:picLocks noGrp="1" noChangeAspect="1"/>
+          </p:cNvPicPr>
           <p:nvPr>
             <p:ph sz="quarter" idx="4"/>
           </p:nvPr>
-        </p:nvSpPr>
-        <p:spPr/>
-        <p:txBody>
-          <a:bodyPr/>
-          <a:lstStyle/>
-          <a:p>
-            <a:endParaRPr lang="en-US" dirty="0"/>
-          </a:p>
-        </p:txBody>
-      </p:sp>
+        </p:nvPicPr>
+        <p:blipFill>
+          <a:blip r:embed="rId3">
+            <a:extLst>
+              <a:ext uri="{28A0092B-C50C-407E-A947-70E740481C1C}">
+                <a14:useLocalDpi xmlns:a14="http://schemas.microsoft.com/office/drawing/2010/main" val="0"/>
+              </a:ext>
+            </a:extLst>
+          </a:blip>
+          <a:stretch>
+            <a:fillRect/>
+          </a:stretch>
+        </p:blipFill>
+        <p:spPr>
+          <a:xfrm>
+            <a:off x="4721259" y="2174875"/>
+            <a:ext cx="3889307" cy="3951288"/>
+          </a:xfrm>
+        </p:spPr>
+      </p:pic>
     </p:spTree>
     <p:extLst>
       <p:ext uri="{BB962C8B-B14F-4D97-AF65-F5344CB8AC3E}">
@@ -12503,31 +13782,41 @@
           </a:p>
         </p:txBody>
       </p:sp>
-      <p:sp>
-        <p:nvSpPr>
-          <p:cNvPr id="5" name="Content Placeholder 4">
+      <p:pic>
+        <p:nvPicPr>
+          <p:cNvPr id="8" name="Content Placeholder 7">
             <a:extLst>
               <a:ext uri="{FF2B5EF4-FFF2-40B4-BE49-F238E27FC236}">
-                <a16:creationId xmlns:a16="http://schemas.microsoft.com/office/drawing/2014/main" id="{68805A95-43D3-48B6-B01C-0EAA7EC9B507}"/>
+                <a16:creationId xmlns:a16="http://schemas.microsoft.com/office/drawing/2014/main" id="{4EAD5907-F873-4265-88C1-5BEBAE4DA4A3}"/>
               </a:ext>
             </a:extLst>
           </p:cNvPr>
-          <p:cNvSpPr>
-            <a:spLocks noGrp="1"/>
-          </p:cNvSpPr>
+          <p:cNvPicPr>
+            <a:picLocks noGrp="1" noChangeAspect="1"/>
+          </p:cNvPicPr>
           <p:nvPr>
             <p:ph sz="half" idx="2"/>
           </p:nvPr>
-        </p:nvSpPr>
-        <p:spPr/>
-        <p:txBody>
-          <a:bodyPr/>
-          <a:lstStyle/>
-          <a:p>
-            <a:endParaRPr lang="en-US"/>
-          </a:p>
-        </p:txBody>
-      </p:sp>
+        </p:nvPicPr>
+        <p:blipFill>
+          <a:blip r:embed="rId2">
+            <a:extLst>
+              <a:ext uri="{28A0092B-C50C-407E-A947-70E740481C1C}">
+                <a14:useLocalDpi xmlns:a14="http://schemas.microsoft.com/office/drawing/2010/main" val="0"/>
+              </a:ext>
+            </a:extLst>
+          </a:blip>
+          <a:stretch>
+            <a:fillRect/>
+          </a:stretch>
+        </p:blipFill>
+        <p:spPr>
+          <a:xfrm>
+            <a:off x="532640" y="2174875"/>
+            <a:ext cx="3889307" cy="3951288"/>
+          </a:xfrm>
+        </p:spPr>
+      </p:pic>
       <p:sp>
         <p:nvSpPr>
           <p:cNvPr id="6" name="Text Placeholder 5">
@@ -12557,31 +13846,41 @@
           </a:p>
         </p:txBody>
       </p:sp>
-      <p:sp>
-        <p:nvSpPr>
-          <p:cNvPr id="7" name="Content Placeholder 6">
+      <p:pic>
+        <p:nvPicPr>
+          <p:cNvPr id="14" name="Content Placeholder 13">
             <a:extLst>
               <a:ext uri="{FF2B5EF4-FFF2-40B4-BE49-F238E27FC236}">
-                <a16:creationId xmlns:a16="http://schemas.microsoft.com/office/drawing/2014/main" id="{546D8D68-A481-4731-B251-D43E9D3CBFC5}"/>
+                <a16:creationId xmlns:a16="http://schemas.microsoft.com/office/drawing/2014/main" id="{96AE9FC0-175B-46C4-B3A6-2345D9A7E764}"/>
               </a:ext>
             </a:extLst>
           </p:cNvPr>
-          <p:cNvSpPr>
-            <a:spLocks noGrp="1"/>
-          </p:cNvSpPr>
+          <p:cNvPicPr>
+            <a:picLocks noGrp="1" noChangeAspect="1"/>
+          </p:cNvPicPr>
           <p:nvPr>
             <p:ph sz="quarter" idx="4"/>
           </p:nvPr>
-        </p:nvSpPr>
-        <p:spPr/>
-        <p:txBody>
-          <a:bodyPr/>
-          <a:lstStyle/>
-          <a:p>
-            <a:endParaRPr lang="en-US" dirty="0"/>
-          </a:p>
-        </p:txBody>
-      </p:sp>
+        </p:nvPicPr>
+        <p:blipFill>
+          <a:blip r:embed="rId3">
+            <a:extLst>
+              <a:ext uri="{28A0092B-C50C-407E-A947-70E740481C1C}">
+                <a14:useLocalDpi xmlns:a14="http://schemas.microsoft.com/office/drawing/2010/main" val="0"/>
+              </a:ext>
+            </a:extLst>
+          </a:blip>
+          <a:stretch>
+            <a:fillRect/>
+          </a:stretch>
+        </p:blipFill>
+        <p:spPr>
+          <a:xfrm>
+            <a:off x="4721259" y="2174875"/>
+            <a:ext cx="3889307" cy="3951288"/>
+          </a:xfrm>
+        </p:spPr>
+      </p:pic>
     </p:spTree>
     <p:extLst>
       <p:ext uri="{BB962C8B-B14F-4D97-AF65-F5344CB8AC3E}">
@@ -12696,31 +13995,41 @@
           </a:p>
         </p:txBody>
       </p:sp>
-      <p:sp>
-        <p:nvSpPr>
-          <p:cNvPr id="4" name="Content Placeholder 3">
+      <p:pic>
+        <p:nvPicPr>
+          <p:cNvPr id="6" name="Content Placeholder 5">
             <a:extLst>
               <a:ext uri="{FF2B5EF4-FFF2-40B4-BE49-F238E27FC236}">
-                <a16:creationId xmlns:a16="http://schemas.microsoft.com/office/drawing/2014/main" id="{83F890B7-CE58-4225-9254-43FD343B99FF}"/>
+                <a16:creationId xmlns:a16="http://schemas.microsoft.com/office/drawing/2014/main" id="{FA704A73-BA46-4BD5-9E10-482C92479EF0}"/>
               </a:ext>
             </a:extLst>
           </p:cNvPr>
-          <p:cNvSpPr>
-            <a:spLocks noGrp="1"/>
-          </p:cNvSpPr>
+          <p:cNvPicPr>
+            <a:picLocks noGrp="1" noChangeAspect="1"/>
+          </p:cNvPicPr>
           <p:nvPr>
             <p:ph idx="1"/>
           </p:nvPr>
-        </p:nvSpPr>
-        <p:spPr/>
-        <p:txBody>
-          <a:bodyPr/>
-          <a:lstStyle/>
-          <a:p>
-            <a:endParaRPr lang="en-US" dirty="0"/>
-          </a:p>
-        </p:txBody>
-      </p:sp>
+        </p:nvPicPr>
+        <p:blipFill>
+          <a:blip r:embed="rId2">
+            <a:extLst>
+              <a:ext uri="{28A0092B-C50C-407E-A947-70E740481C1C}">
+                <a14:useLocalDpi xmlns:a14="http://schemas.microsoft.com/office/drawing/2010/main" val="0"/>
+              </a:ext>
+            </a:extLst>
+          </a:blip>
+          <a:stretch>
+            <a:fillRect/>
+          </a:stretch>
+        </p:blipFill>
+        <p:spPr>
+          <a:xfrm>
+            <a:off x="457200" y="1773551"/>
+            <a:ext cx="8229600" cy="4179261"/>
+          </a:xfrm>
+        </p:spPr>
+      </p:pic>
     </p:spTree>
     <p:extLst>
       <p:ext uri="{BB962C8B-B14F-4D97-AF65-F5344CB8AC3E}">
@@ -12773,7 +14082,7 @@
           <a:lstStyle/>
           <a:p>
             <a:r>
-              <a:rPr lang="en-US" sz="1800" dirty="0">
+              <a:rPr lang="en-US" sz="1800">
                 <a:effectLst/>
                 <a:latin typeface="Times New Roman" panose="02020603050405020304" pitchFamily="18" charset="0"/>
                 <a:ea typeface="Batang" panose="02030600000101010101" pitchFamily="18" charset="-127"/>
@@ -12781,7 +14090,7 @@
               <a:t>2.d </a:t>
             </a:r>
             <a:r>
-              <a:rPr kumimoji="0" lang="en-US" sz="1400" b="0" i="0" u="none" strike="noStrike" kern="1200" cap="none" spc="0" normalizeH="0" baseline="0" noProof="0" dirty="0">
+              <a:rPr kumimoji="0" lang="en-US" sz="1400" b="0" i="0" u="none" strike="noStrike" kern="1200" cap="none" spc="0" normalizeH="0" baseline="0" noProof="0">
                 <a:ln>
                   <a:noFill/>
                 </a:ln>
@@ -12801,31 +14110,41 @@
           </a:p>
         </p:txBody>
       </p:sp>
-      <p:sp>
-        <p:nvSpPr>
-          <p:cNvPr id="4" name="Content Placeholder 3">
+      <p:pic>
+        <p:nvPicPr>
+          <p:cNvPr id="7" name="Content Placeholder 6">
             <a:extLst>
               <a:ext uri="{FF2B5EF4-FFF2-40B4-BE49-F238E27FC236}">
-                <a16:creationId xmlns:a16="http://schemas.microsoft.com/office/drawing/2014/main" id="{83F890B7-CE58-4225-9254-43FD343B99FF}"/>
+                <a16:creationId xmlns:a16="http://schemas.microsoft.com/office/drawing/2014/main" id="{7EB19357-A1A1-46C3-9354-32B29455FB7A}"/>
               </a:ext>
             </a:extLst>
           </p:cNvPr>
-          <p:cNvSpPr>
-            <a:spLocks noGrp="1"/>
-          </p:cNvSpPr>
+          <p:cNvPicPr>
+            <a:picLocks noGrp="1" noChangeAspect="1"/>
+          </p:cNvPicPr>
           <p:nvPr>
             <p:ph idx="1"/>
           </p:nvPr>
-        </p:nvSpPr>
-        <p:spPr/>
-        <p:txBody>
-          <a:bodyPr/>
-          <a:lstStyle/>
-          <a:p>
-            <a:endParaRPr lang="en-US" dirty="0"/>
-          </a:p>
-        </p:txBody>
-      </p:sp>
+        </p:nvPicPr>
+        <p:blipFill>
+          <a:blip r:embed="rId2">
+            <a:extLst>
+              <a:ext uri="{28A0092B-C50C-407E-A947-70E740481C1C}">
+                <a14:useLocalDpi xmlns:a14="http://schemas.microsoft.com/office/drawing/2010/main" val="0"/>
+              </a:ext>
+            </a:extLst>
+          </a:blip>
+          <a:stretch>
+            <a:fillRect/>
+          </a:stretch>
+        </p:blipFill>
+        <p:spPr>
+          <a:xfrm>
+            <a:off x="457200" y="1772186"/>
+            <a:ext cx="8229600" cy="4181991"/>
+          </a:xfrm>
+        </p:spPr>
+      </p:pic>
     </p:spTree>
     <p:extLst>
       <p:ext uri="{BB962C8B-B14F-4D97-AF65-F5344CB8AC3E}">
@@ -12910,31 +14229,41 @@
           </a:p>
         </p:txBody>
       </p:sp>
-      <p:sp>
-        <p:nvSpPr>
-          <p:cNvPr id="4" name="Content Placeholder 3">
+      <p:pic>
+        <p:nvPicPr>
+          <p:cNvPr id="7" name="Content Placeholder 6">
             <a:extLst>
               <a:ext uri="{FF2B5EF4-FFF2-40B4-BE49-F238E27FC236}">
-                <a16:creationId xmlns:a16="http://schemas.microsoft.com/office/drawing/2014/main" id="{83F890B7-CE58-4225-9254-43FD343B99FF}"/>
+                <a16:creationId xmlns:a16="http://schemas.microsoft.com/office/drawing/2014/main" id="{F918E9EF-0E28-4205-97B5-7CD3ADE1362A}"/>
               </a:ext>
             </a:extLst>
           </p:cNvPr>
-          <p:cNvSpPr>
-            <a:spLocks noGrp="1"/>
-          </p:cNvSpPr>
+          <p:cNvPicPr>
+            <a:picLocks noGrp="1" noChangeAspect="1"/>
+          </p:cNvPicPr>
           <p:nvPr>
             <p:ph idx="1"/>
           </p:nvPr>
-        </p:nvSpPr>
-        <p:spPr/>
-        <p:txBody>
-          <a:bodyPr/>
-          <a:lstStyle/>
-          <a:p>
-            <a:endParaRPr lang="en-US" dirty="0"/>
-          </a:p>
-        </p:txBody>
-      </p:sp>
+        </p:nvPicPr>
+        <p:blipFill>
+          <a:blip r:embed="rId2">
+            <a:extLst>
+              <a:ext uri="{28A0092B-C50C-407E-A947-70E740481C1C}">
+                <a14:useLocalDpi xmlns:a14="http://schemas.microsoft.com/office/drawing/2010/main" val="0"/>
+              </a:ext>
+            </a:extLst>
+          </a:blip>
+          <a:stretch>
+            <a:fillRect/>
+          </a:stretch>
+        </p:blipFill>
+        <p:spPr>
+          <a:xfrm>
+            <a:off x="457200" y="1768081"/>
+            <a:ext cx="8229600" cy="4190201"/>
+          </a:xfrm>
+        </p:spPr>
+      </p:pic>
     </p:spTree>
     <p:extLst>
       <p:ext uri="{BB962C8B-B14F-4D97-AF65-F5344CB8AC3E}">
